--- a/Гаран презентация.pptx
+++ b/Гаран презентация.pptx
@@ -2,20 +2,21 @@
 <file path=ppt/presentation.xml><?xml version="1.0" encoding="utf-8"?>
 <p:presentation xmlns:a="http://schemas.openxmlformats.org/drawingml/2006/main" xmlns:r="http://schemas.openxmlformats.org/officeDocument/2006/relationships" xmlns:p="http://schemas.openxmlformats.org/presentationml/2006/main" saveSubsetFonts="1" autoCompressPictures="0">
   <p:sldMasterIdLst>
-    <p:sldMasterId id="2147483660" r:id="rId1"/>
+    <p:sldMasterId id="2147483690" r:id="rId1"/>
+    <p:sldMasterId id="2147483708" r:id="rId2"/>
   </p:sldMasterIdLst>
   <p:sldIdLst>
-    <p:sldId id="256" r:id="rId2"/>
-    <p:sldId id="257" r:id="rId3"/>
-    <p:sldId id="258" r:id="rId4"/>
-    <p:sldId id="260" r:id="rId5"/>
-    <p:sldId id="265" r:id="rId6"/>
-    <p:sldId id="262" r:id="rId7"/>
-    <p:sldId id="266" r:id="rId8"/>
-    <p:sldId id="261" r:id="rId9"/>
-    <p:sldId id="264" r:id="rId10"/>
-    <p:sldId id="267" r:id="rId11"/>
-    <p:sldId id="268" r:id="rId12"/>
+    <p:sldId id="256" r:id="rId3"/>
+    <p:sldId id="257" r:id="rId4"/>
+    <p:sldId id="258" r:id="rId5"/>
+    <p:sldId id="260" r:id="rId6"/>
+    <p:sldId id="265" r:id="rId7"/>
+    <p:sldId id="262" r:id="rId8"/>
+    <p:sldId id="266" r:id="rId9"/>
+    <p:sldId id="261" r:id="rId10"/>
+    <p:sldId id="264" r:id="rId11"/>
+    <p:sldId id="267" r:id="rId12"/>
+    <p:sldId id="268" r:id="rId13"/>
   </p:sldIdLst>
   <p:sldSz cx="9144000" cy="6858000" type="screen4x3"/>
   <p:notesSz cx="6858000" cy="9144000"/>
@@ -556,7 +557,7 @@
     </p:spTree>
     <p:extLst>
       <p:ext uri="{BB962C8B-B14F-4D97-AF65-F5344CB8AC3E}">
-        <p14:creationId xmlns:p14="http://schemas.microsoft.com/office/powerpoint/2010/main" val="1775928122"/>
+        <p14:creationId xmlns:p14="http://schemas.microsoft.com/office/powerpoint/2010/main" val="1481447477"/>
       </p:ext>
     </p:extLst>
   </p:cSld>
@@ -839,7 +840,7 @@
     </p:spTree>
     <p:extLst>
       <p:ext uri="{BB962C8B-B14F-4D97-AF65-F5344CB8AC3E}">
-        <p14:creationId xmlns:p14="http://schemas.microsoft.com/office/powerpoint/2010/main" val="2836691508"/>
+        <p14:creationId xmlns:p14="http://schemas.microsoft.com/office/powerpoint/2010/main" val="1610023279"/>
       </p:ext>
     </p:extLst>
   </p:cSld>
@@ -1118,7 +1119,7 @@
     </p:spTree>
     <p:extLst>
       <p:ext uri="{BB962C8B-B14F-4D97-AF65-F5344CB8AC3E}">
-        <p14:creationId xmlns:p14="http://schemas.microsoft.com/office/powerpoint/2010/main" val="334558851"/>
+        <p14:creationId xmlns:p14="http://schemas.microsoft.com/office/powerpoint/2010/main" val="4101363335"/>
       </p:ext>
     </p:extLst>
   </p:cSld>
@@ -1525,7 +1526,7 @@
     </p:spTree>
     <p:extLst>
       <p:ext uri="{BB962C8B-B14F-4D97-AF65-F5344CB8AC3E}">
-        <p14:creationId xmlns:p14="http://schemas.microsoft.com/office/powerpoint/2010/main" val="1360796250"/>
+        <p14:creationId xmlns:p14="http://schemas.microsoft.com/office/powerpoint/2010/main" val="1727313044"/>
       </p:ext>
     </p:extLst>
   </p:cSld>
@@ -1773,7 +1774,7 @@
     </p:spTree>
     <p:extLst>
       <p:ext uri="{BB962C8B-B14F-4D97-AF65-F5344CB8AC3E}">
-        <p14:creationId xmlns:p14="http://schemas.microsoft.com/office/powerpoint/2010/main" val="839209111"/>
+        <p14:creationId xmlns:p14="http://schemas.microsoft.com/office/powerpoint/2010/main" val="3727304964"/>
       </p:ext>
     </p:extLst>
   </p:cSld>
@@ -2246,7 +2247,7 @@
     </p:spTree>
     <p:extLst>
       <p:ext uri="{BB962C8B-B14F-4D97-AF65-F5344CB8AC3E}">
-        <p14:creationId xmlns:p14="http://schemas.microsoft.com/office/powerpoint/2010/main" val="3447244974"/>
+        <p14:creationId xmlns:p14="http://schemas.microsoft.com/office/powerpoint/2010/main" val="1343890493"/>
       </p:ext>
     </p:extLst>
   </p:cSld>
@@ -2648,7 +2649,7 @@
     </p:spTree>
     <p:extLst>
       <p:ext uri="{BB962C8B-B14F-4D97-AF65-F5344CB8AC3E}">
-        <p14:creationId xmlns:p14="http://schemas.microsoft.com/office/powerpoint/2010/main" val="3507279122"/>
+        <p14:creationId xmlns:p14="http://schemas.microsoft.com/office/powerpoint/2010/main" val="845634599"/>
       </p:ext>
     </p:extLst>
   </p:cSld>
@@ -2858,7 +2859,7 @@
     </p:spTree>
     <p:extLst>
       <p:ext uri="{BB962C8B-B14F-4D97-AF65-F5344CB8AC3E}">
-        <p14:creationId xmlns:p14="http://schemas.microsoft.com/office/powerpoint/2010/main" val="331540589"/>
+        <p14:creationId xmlns:p14="http://schemas.microsoft.com/office/powerpoint/2010/main" val="644776100"/>
       </p:ext>
     </p:extLst>
   </p:cSld>
@@ -3069,7 +3070,425 @@
     </p:spTree>
     <p:extLst>
       <p:ext uri="{BB962C8B-B14F-4D97-AF65-F5344CB8AC3E}">
-        <p14:creationId xmlns:p14="http://schemas.microsoft.com/office/powerpoint/2010/main" val="1407653403"/>
+        <p14:creationId xmlns:p14="http://schemas.microsoft.com/office/powerpoint/2010/main" val="3745228628"/>
+      </p:ext>
+    </p:extLst>
+  </p:cSld>
+  <p:clrMapOvr>
+    <a:masterClrMapping/>
+  </p:clrMapOvr>
+</p:sldLayout>
+</file>
+
+<file path=ppt/slideLayouts/slideLayout18.xml><?xml version="1.0" encoding="utf-8"?>
+<p:sldLayout xmlns:a="http://schemas.openxmlformats.org/drawingml/2006/main" xmlns:r="http://schemas.openxmlformats.org/officeDocument/2006/relationships" xmlns:p="http://schemas.openxmlformats.org/presentationml/2006/main" type="title" preserve="1">
+  <p:cSld name="Титульный слайд">
+    <p:spTree>
+      <p:nvGrpSpPr>
+        <p:cNvPr id="1" name=""/>
+        <p:cNvGrpSpPr/>
+        <p:nvPr/>
+      </p:nvGrpSpPr>
+      <p:grpSpPr>
+        <a:xfrm>
+          <a:off x="0" y="0"/>
+          <a:ext cx="0" cy="0"/>
+          <a:chOff x="0" y="0"/>
+          <a:chExt cx="0" cy="0"/>
+        </a:xfrm>
+      </p:grpSpPr>
+      <p:sp>
+        <p:nvSpPr>
+          <p:cNvPr id="2" name="Заголовок 1">
+            <a:extLst>
+              <a:ext uri="{FF2B5EF4-FFF2-40B4-BE49-F238E27FC236}">
+                <a16:creationId xmlns:a16="http://schemas.microsoft.com/office/drawing/2014/main" id="{9E6DB9A8-9537-24DA-FA81-4AC4D37F8AC8}"/>
+              </a:ext>
+            </a:extLst>
+          </p:cNvPr>
+          <p:cNvSpPr>
+            <a:spLocks noGrp="1"/>
+          </p:cNvSpPr>
+          <p:nvPr>
+            <p:ph type="ctrTitle"/>
+          </p:nvPr>
+        </p:nvSpPr>
+        <p:spPr>
+          <a:xfrm>
+            <a:off x="1143000" y="1122363"/>
+            <a:ext cx="6858000" cy="2387600"/>
+          </a:xfrm>
+        </p:spPr>
+        <p:txBody>
+          <a:bodyPr anchor="b"/>
+          <a:lstStyle>
+            <a:lvl1pPr algn="ctr">
+              <a:defRPr sz="4500"/>
+            </a:lvl1pPr>
+          </a:lstStyle>
+          <a:p>
+            <a:r>
+              <a:rPr lang="ru-RU"/>
+              <a:t>Образец заголовка</a:t>
+            </a:r>
+          </a:p>
+        </p:txBody>
+      </p:sp>
+      <p:sp>
+        <p:nvSpPr>
+          <p:cNvPr id="3" name="Подзаголовок 2">
+            <a:extLst>
+              <a:ext uri="{FF2B5EF4-FFF2-40B4-BE49-F238E27FC236}">
+                <a16:creationId xmlns:a16="http://schemas.microsoft.com/office/drawing/2014/main" id="{DAE66E1B-D68F-56F5-53B5-8B0393AA140E}"/>
+              </a:ext>
+            </a:extLst>
+          </p:cNvPr>
+          <p:cNvSpPr>
+            <a:spLocks noGrp="1"/>
+          </p:cNvSpPr>
+          <p:nvPr>
+            <p:ph type="subTitle" idx="1"/>
+          </p:nvPr>
+        </p:nvSpPr>
+        <p:spPr>
+          <a:xfrm>
+            <a:off x="1143000" y="3602038"/>
+            <a:ext cx="6858000" cy="1655762"/>
+          </a:xfrm>
+        </p:spPr>
+        <p:txBody>
+          <a:bodyPr/>
+          <a:lstStyle>
+            <a:lvl1pPr marL="0" indent="0" algn="ctr">
+              <a:buNone/>
+              <a:defRPr sz="1800"/>
+            </a:lvl1pPr>
+            <a:lvl2pPr marL="342900" indent="0" algn="ctr">
+              <a:buNone/>
+              <a:defRPr sz="1500"/>
+            </a:lvl2pPr>
+            <a:lvl3pPr marL="685800" indent="0" algn="ctr">
+              <a:buNone/>
+              <a:defRPr sz="1350"/>
+            </a:lvl3pPr>
+            <a:lvl4pPr marL="1028700" indent="0" algn="ctr">
+              <a:buNone/>
+              <a:defRPr sz="1200"/>
+            </a:lvl4pPr>
+            <a:lvl5pPr marL="1371600" indent="0" algn="ctr">
+              <a:buNone/>
+              <a:defRPr sz="1200"/>
+            </a:lvl5pPr>
+            <a:lvl6pPr marL="1714500" indent="0" algn="ctr">
+              <a:buNone/>
+              <a:defRPr sz="1200"/>
+            </a:lvl6pPr>
+            <a:lvl7pPr marL="2057400" indent="0" algn="ctr">
+              <a:buNone/>
+              <a:defRPr sz="1200"/>
+            </a:lvl7pPr>
+            <a:lvl8pPr marL="2400300" indent="0" algn="ctr">
+              <a:buNone/>
+              <a:defRPr sz="1200"/>
+            </a:lvl8pPr>
+            <a:lvl9pPr marL="2743200" indent="0" algn="ctr">
+              <a:buNone/>
+              <a:defRPr sz="1200"/>
+            </a:lvl9pPr>
+          </a:lstStyle>
+          <a:p>
+            <a:r>
+              <a:rPr lang="ru-RU"/>
+              <a:t>Образец подзаголовка</a:t>
+            </a:r>
+          </a:p>
+        </p:txBody>
+      </p:sp>
+      <p:sp>
+        <p:nvSpPr>
+          <p:cNvPr id="4" name="Дата 3">
+            <a:extLst>
+              <a:ext uri="{FF2B5EF4-FFF2-40B4-BE49-F238E27FC236}">
+                <a16:creationId xmlns:a16="http://schemas.microsoft.com/office/drawing/2014/main" id="{76C8A7C7-D061-1824-F1C6-80FB5BB73F94}"/>
+              </a:ext>
+            </a:extLst>
+          </p:cNvPr>
+          <p:cNvSpPr>
+            <a:spLocks noGrp="1"/>
+          </p:cNvSpPr>
+          <p:nvPr>
+            <p:ph type="dt" sz="half" idx="10"/>
+          </p:nvPr>
+        </p:nvSpPr>
+        <p:spPr/>
+        <p:txBody>
+          <a:bodyPr/>
+          <a:lstStyle/>
+          <a:p>
+            <a:fld id="{5BCAD085-E8A6-8845-BD4E-CB4CCA059FC4}" type="datetimeFigureOut">
+              <a:rPr lang="en-US" smtClean="0"/>
+              <a:t>6/25/2025</a:t>
+            </a:fld>
+            <a:endParaRPr lang="en-US"/>
+          </a:p>
+        </p:txBody>
+      </p:sp>
+      <p:sp>
+        <p:nvSpPr>
+          <p:cNvPr id="5" name="Нижний колонтитул 4">
+            <a:extLst>
+              <a:ext uri="{FF2B5EF4-FFF2-40B4-BE49-F238E27FC236}">
+                <a16:creationId xmlns:a16="http://schemas.microsoft.com/office/drawing/2014/main" id="{A585C7CF-EF17-F345-DCC9-3301E023F72E}"/>
+              </a:ext>
+            </a:extLst>
+          </p:cNvPr>
+          <p:cNvSpPr>
+            <a:spLocks noGrp="1"/>
+          </p:cNvSpPr>
+          <p:nvPr>
+            <p:ph type="ftr" sz="quarter" idx="11"/>
+          </p:nvPr>
+        </p:nvSpPr>
+        <p:spPr/>
+        <p:txBody>
+          <a:bodyPr/>
+          <a:lstStyle/>
+          <a:p>
+            <a:endParaRPr lang="en-US"/>
+          </a:p>
+        </p:txBody>
+      </p:sp>
+      <p:sp>
+        <p:nvSpPr>
+          <p:cNvPr id="6" name="Номер слайда 5">
+            <a:extLst>
+              <a:ext uri="{FF2B5EF4-FFF2-40B4-BE49-F238E27FC236}">
+                <a16:creationId xmlns:a16="http://schemas.microsoft.com/office/drawing/2014/main" id="{DC7757EF-44B1-DBF1-1F4B-B8A36E5A61DA}"/>
+              </a:ext>
+            </a:extLst>
+          </p:cNvPr>
+          <p:cNvSpPr>
+            <a:spLocks noGrp="1"/>
+          </p:cNvSpPr>
+          <p:nvPr>
+            <p:ph type="sldNum" sz="quarter" idx="12"/>
+          </p:nvPr>
+        </p:nvSpPr>
+        <p:spPr/>
+        <p:txBody>
+          <a:bodyPr/>
+          <a:lstStyle/>
+          <a:p>
+            <a:fld id="{C1FF6DA9-008F-8B48-92A6-B652298478BF}" type="slidenum">
+              <a:rPr lang="en-US" smtClean="0"/>
+              <a:t>‹#›</a:t>
+            </a:fld>
+            <a:endParaRPr lang="en-US"/>
+          </a:p>
+        </p:txBody>
+      </p:sp>
+    </p:spTree>
+    <p:extLst>
+      <p:ext uri="{BB962C8B-B14F-4D97-AF65-F5344CB8AC3E}">
+        <p14:creationId xmlns:p14="http://schemas.microsoft.com/office/powerpoint/2010/main" val="784083098"/>
+      </p:ext>
+    </p:extLst>
+  </p:cSld>
+  <p:clrMapOvr>
+    <a:masterClrMapping/>
+  </p:clrMapOvr>
+</p:sldLayout>
+</file>
+
+<file path=ppt/slideLayouts/slideLayout19.xml><?xml version="1.0" encoding="utf-8"?>
+<p:sldLayout xmlns:a="http://schemas.openxmlformats.org/drawingml/2006/main" xmlns:r="http://schemas.openxmlformats.org/officeDocument/2006/relationships" xmlns:p="http://schemas.openxmlformats.org/presentationml/2006/main" type="obj" preserve="1">
+  <p:cSld name="Заголовок и объект">
+    <p:spTree>
+      <p:nvGrpSpPr>
+        <p:cNvPr id="1" name=""/>
+        <p:cNvGrpSpPr/>
+        <p:nvPr/>
+      </p:nvGrpSpPr>
+      <p:grpSpPr>
+        <a:xfrm>
+          <a:off x="0" y="0"/>
+          <a:ext cx="0" cy="0"/>
+          <a:chOff x="0" y="0"/>
+          <a:chExt cx="0" cy="0"/>
+        </a:xfrm>
+      </p:grpSpPr>
+      <p:sp>
+        <p:nvSpPr>
+          <p:cNvPr id="2" name="Заголовок 1">
+            <a:extLst>
+              <a:ext uri="{FF2B5EF4-FFF2-40B4-BE49-F238E27FC236}">
+                <a16:creationId xmlns:a16="http://schemas.microsoft.com/office/drawing/2014/main" id="{85E58C39-A2FB-9B30-8293-089517371350}"/>
+              </a:ext>
+            </a:extLst>
+          </p:cNvPr>
+          <p:cNvSpPr>
+            <a:spLocks noGrp="1"/>
+          </p:cNvSpPr>
+          <p:nvPr>
+            <p:ph type="title"/>
+          </p:nvPr>
+        </p:nvSpPr>
+        <p:spPr/>
+        <p:txBody>
+          <a:bodyPr/>
+          <a:lstStyle/>
+          <a:p>
+            <a:r>
+              <a:rPr lang="ru-RU"/>
+              <a:t>Образец заголовка</a:t>
+            </a:r>
+          </a:p>
+        </p:txBody>
+      </p:sp>
+      <p:sp>
+        <p:nvSpPr>
+          <p:cNvPr id="3" name="Объект 2">
+            <a:extLst>
+              <a:ext uri="{FF2B5EF4-FFF2-40B4-BE49-F238E27FC236}">
+                <a16:creationId xmlns:a16="http://schemas.microsoft.com/office/drawing/2014/main" id="{078BA7E8-D576-7D6E-0774-14ADFF503418}"/>
+              </a:ext>
+            </a:extLst>
+          </p:cNvPr>
+          <p:cNvSpPr>
+            <a:spLocks noGrp="1"/>
+          </p:cNvSpPr>
+          <p:nvPr>
+            <p:ph idx="1"/>
+          </p:nvPr>
+        </p:nvSpPr>
+        <p:spPr/>
+        <p:txBody>
+          <a:bodyPr/>
+          <a:lstStyle/>
+          <a:p>
+            <a:pPr lvl="0"/>
+            <a:r>
+              <a:rPr lang="ru-RU"/>
+              <a:t>Образец текста</a:t>
+            </a:r>
+          </a:p>
+          <a:p>
+            <a:pPr lvl="1"/>
+            <a:r>
+              <a:rPr lang="ru-RU"/>
+              <a:t>Второй уровень</a:t>
+            </a:r>
+          </a:p>
+          <a:p>
+            <a:pPr lvl="2"/>
+            <a:r>
+              <a:rPr lang="ru-RU"/>
+              <a:t>Третий уровень</a:t>
+            </a:r>
+          </a:p>
+          <a:p>
+            <a:pPr lvl="3"/>
+            <a:r>
+              <a:rPr lang="ru-RU"/>
+              <a:t>Четвертый уровень</a:t>
+            </a:r>
+          </a:p>
+          <a:p>
+            <a:pPr lvl="4"/>
+            <a:r>
+              <a:rPr lang="ru-RU"/>
+              <a:t>Пятый уровень</a:t>
+            </a:r>
+          </a:p>
+        </p:txBody>
+      </p:sp>
+      <p:sp>
+        <p:nvSpPr>
+          <p:cNvPr id="4" name="Дата 3">
+            <a:extLst>
+              <a:ext uri="{FF2B5EF4-FFF2-40B4-BE49-F238E27FC236}">
+                <a16:creationId xmlns:a16="http://schemas.microsoft.com/office/drawing/2014/main" id="{526A290E-74C5-3CFE-3B07-40DD1322DD43}"/>
+              </a:ext>
+            </a:extLst>
+          </p:cNvPr>
+          <p:cNvSpPr>
+            <a:spLocks noGrp="1"/>
+          </p:cNvSpPr>
+          <p:nvPr>
+            <p:ph type="dt" sz="half" idx="10"/>
+          </p:nvPr>
+        </p:nvSpPr>
+        <p:spPr/>
+        <p:txBody>
+          <a:bodyPr/>
+          <a:lstStyle/>
+          <a:p>
+            <a:fld id="{5BCAD085-E8A6-8845-BD4E-CB4CCA059FC4}" type="datetimeFigureOut">
+              <a:rPr lang="en-US" smtClean="0"/>
+              <a:t>6/25/2025</a:t>
+            </a:fld>
+            <a:endParaRPr lang="en-US"/>
+          </a:p>
+        </p:txBody>
+      </p:sp>
+      <p:sp>
+        <p:nvSpPr>
+          <p:cNvPr id="5" name="Нижний колонтитул 4">
+            <a:extLst>
+              <a:ext uri="{FF2B5EF4-FFF2-40B4-BE49-F238E27FC236}">
+                <a16:creationId xmlns:a16="http://schemas.microsoft.com/office/drawing/2014/main" id="{44BB408A-7055-3A27-BC1A-FEE7FCA76F23}"/>
+              </a:ext>
+            </a:extLst>
+          </p:cNvPr>
+          <p:cNvSpPr>
+            <a:spLocks noGrp="1"/>
+          </p:cNvSpPr>
+          <p:nvPr>
+            <p:ph type="ftr" sz="quarter" idx="11"/>
+          </p:nvPr>
+        </p:nvSpPr>
+        <p:spPr/>
+        <p:txBody>
+          <a:bodyPr/>
+          <a:lstStyle/>
+          <a:p>
+            <a:endParaRPr lang="en-US"/>
+          </a:p>
+        </p:txBody>
+      </p:sp>
+      <p:sp>
+        <p:nvSpPr>
+          <p:cNvPr id="6" name="Номер слайда 5">
+            <a:extLst>
+              <a:ext uri="{FF2B5EF4-FFF2-40B4-BE49-F238E27FC236}">
+                <a16:creationId xmlns:a16="http://schemas.microsoft.com/office/drawing/2014/main" id="{D5678690-D800-CFAC-F015-631560A100F1}"/>
+              </a:ext>
+            </a:extLst>
+          </p:cNvPr>
+          <p:cNvSpPr>
+            <a:spLocks noGrp="1"/>
+          </p:cNvSpPr>
+          <p:nvPr>
+            <p:ph type="sldNum" sz="quarter" idx="12"/>
+          </p:nvPr>
+        </p:nvSpPr>
+        <p:spPr/>
+        <p:txBody>
+          <a:bodyPr/>
+          <a:lstStyle/>
+          <a:p>
+            <a:fld id="{C1FF6DA9-008F-8B48-92A6-B652298478BF}" type="slidenum">
+              <a:rPr lang="en-US" smtClean="0"/>
+              <a:t>‹#›</a:t>
+            </a:fld>
+            <a:endParaRPr lang="en-US"/>
+          </a:p>
+        </p:txBody>
+      </p:sp>
+    </p:spTree>
+    <p:extLst>
+      <p:ext uri="{BB962C8B-B14F-4D97-AF65-F5344CB8AC3E}">
+        <p14:creationId xmlns:p14="http://schemas.microsoft.com/office/powerpoint/2010/main" val="3180164854"/>
       </p:ext>
     </p:extLst>
   </p:cSld>
@@ -3270,7 +3689,2218 @@
     </p:spTree>
     <p:extLst>
       <p:ext uri="{BB962C8B-B14F-4D97-AF65-F5344CB8AC3E}">
-        <p14:creationId xmlns:p14="http://schemas.microsoft.com/office/powerpoint/2010/main" val="83150031"/>
+        <p14:creationId xmlns:p14="http://schemas.microsoft.com/office/powerpoint/2010/main" val="831559297"/>
+      </p:ext>
+    </p:extLst>
+  </p:cSld>
+  <p:clrMapOvr>
+    <a:masterClrMapping/>
+  </p:clrMapOvr>
+</p:sldLayout>
+</file>
+
+<file path=ppt/slideLayouts/slideLayout20.xml><?xml version="1.0" encoding="utf-8"?>
+<p:sldLayout xmlns:a="http://schemas.openxmlformats.org/drawingml/2006/main" xmlns:r="http://schemas.openxmlformats.org/officeDocument/2006/relationships" xmlns:p="http://schemas.openxmlformats.org/presentationml/2006/main" type="secHead" preserve="1">
+  <p:cSld name="Заголовок раздела">
+    <p:spTree>
+      <p:nvGrpSpPr>
+        <p:cNvPr id="1" name=""/>
+        <p:cNvGrpSpPr/>
+        <p:nvPr/>
+      </p:nvGrpSpPr>
+      <p:grpSpPr>
+        <a:xfrm>
+          <a:off x="0" y="0"/>
+          <a:ext cx="0" cy="0"/>
+          <a:chOff x="0" y="0"/>
+          <a:chExt cx="0" cy="0"/>
+        </a:xfrm>
+      </p:grpSpPr>
+      <p:sp>
+        <p:nvSpPr>
+          <p:cNvPr id="2" name="Заголовок 1">
+            <a:extLst>
+              <a:ext uri="{FF2B5EF4-FFF2-40B4-BE49-F238E27FC236}">
+                <a16:creationId xmlns:a16="http://schemas.microsoft.com/office/drawing/2014/main" id="{0577E98D-2804-2167-A3FD-F326D738A680}"/>
+              </a:ext>
+            </a:extLst>
+          </p:cNvPr>
+          <p:cNvSpPr>
+            <a:spLocks noGrp="1"/>
+          </p:cNvSpPr>
+          <p:nvPr>
+            <p:ph type="title"/>
+          </p:nvPr>
+        </p:nvSpPr>
+        <p:spPr>
+          <a:xfrm>
+            <a:off x="623888" y="1709739"/>
+            <a:ext cx="7886700" cy="2852737"/>
+          </a:xfrm>
+        </p:spPr>
+        <p:txBody>
+          <a:bodyPr anchor="b"/>
+          <a:lstStyle>
+            <a:lvl1pPr>
+              <a:defRPr sz="4500"/>
+            </a:lvl1pPr>
+          </a:lstStyle>
+          <a:p>
+            <a:r>
+              <a:rPr lang="ru-RU"/>
+              <a:t>Образец заголовка</a:t>
+            </a:r>
+          </a:p>
+        </p:txBody>
+      </p:sp>
+      <p:sp>
+        <p:nvSpPr>
+          <p:cNvPr id="3" name="Текст 2">
+            <a:extLst>
+              <a:ext uri="{FF2B5EF4-FFF2-40B4-BE49-F238E27FC236}">
+                <a16:creationId xmlns:a16="http://schemas.microsoft.com/office/drawing/2014/main" id="{50147FF1-69BD-AE94-FA21-DD8263F9335A}"/>
+              </a:ext>
+            </a:extLst>
+          </p:cNvPr>
+          <p:cNvSpPr>
+            <a:spLocks noGrp="1"/>
+          </p:cNvSpPr>
+          <p:nvPr>
+            <p:ph type="body" idx="1"/>
+          </p:nvPr>
+        </p:nvSpPr>
+        <p:spPr>
+          <a:xfrm>
+            <a:off x="623888" y="4589464"/>
+            <a:ext cx="7886700" cy="1500187"/>
+          </a:xfrm>
+        </p:spPr>
+        <p:txBody>
+          <a:bodyPr/>
+          <a:lstStyle>
+            <a:lvl1pPr marL="0" indent="0">
+              <a:buNone/>
+              <a:defRPr sz="1800">
+                <a:solidFill>
+                  <a:schemeClr val="tx1">
+                    <a:tint val="82000"/>
+                  </a:schemeClr>
+                </a:solidFill>
+              </a:defRPr>
+            </a:lvl1pPr>
+            <a:lvl2pPr marL="342900" indent="0">
+              <a:buNone/>
+              <a:defRPr sz="1500">
+                <a:solidFill>
+                  <a:schemeClr val="tx1">
+                    <a:tint val="82000"/>
+                  </a:schemeClr>
+                </a:solidFill>
+              </a:defRPr>
+            </a:lvl2pPr>
+            <a:lvl3pPr marL="685800" indent="0">
+              <a:buNone/>
+              <a:defRPr sz="1350">
+                <a:solidFill>
+                  <a:schemeClr val="tx1">
+                    <a:tint val="82000"/>
+                  </a:schemeClr>
+                </a:solidFill>
+              </a:defRPr>
+            </a:lvl3pPr>
+            <a:lvl4pPr marL="1028700" indent="0">
+              <a:buNone/>
+              <a:defRPr sz="1200">
+                <a:solidFill>
+                  <a:schemeClr val="tx1">
+                    <a:tint val="82000"/>
+                  </a:schemeClr>
+                </a:solidFill>
+              </a:defRPr>
+            </a:lvl4pPr>
+            <a:lvl5pPr marL="1371600" indent="0">
+              <a:buNone/>
+              <a:defRPr sz="1200">
+                <a:solidFill>
+                  <a:schemeClr val="tx1">
+                    <a:tint val="82000"/>
+                  </a:schemeClr>
+                </a:solidFill>
+              </a:defRPr>
+            </a:lvl5pPr>
+            <a:lvl6pPr marL="1714500" indent="0">
+              <a:buNone/>
+              <a:defRPr sz="1200">
+                <a:solidFill>
+                  <a:schemeClr val="tx1">
+                    <a:tint val="82000"/>
+                  </a:schemeClr>
+                </a:solidFill>
+              </a:defRPr>
+            </a:lvl6pPr>
+            <a:lvl7pPr marL="2057400" indent="0">
+              <a:buNone/>
+              <a:defRPr sz="1200">
+                <a:solidFill>
+                  <a:schemeClr val="tx1">
+                    <a:tint val="82000"/>
+                  </a:schemeClr>
+                </a:solidFill>
+              </a:defRPr>
+            </a:lvl7pPr>
+            <a:lvl8pPr marL="2400300" indent="0">
+              <a:buNone/>
+              <a:defRPr sz="1200">
+                <a:solidFill>
+                  <a:schemeClr val="tx1">
+                    <a:tint val="82000"/>
+                  </a:schemeClr>
+                </a:solidFill>
+              </a:defRPr>
+            </a:lvl8pPr>
+            <a:lvl9pPr marL="2743200" indent="0">
+              <a:buNone/>
+              <a:defRPr sz="1200">
+                <a:solidFill>
+                  <a:schemeClr val="tx1">
+                    <a:tint val="82000"/>
+                  </a:schemeClr>
+                </a:solidFill>
+              </a:defRPr>
+            </a:lvl9pPr>
+          </a:lstStyle>
+          <a:p>
+            <a:pPr lvl="0"/>
+            <a:r>
+              <a:rPr lang="ru-RU"/>
+              <a:t>Образец текста</a:t>
+            </a:r>
+          </a:p>
+        </p:txBody>
+      </p:sp>
+      <p:sp>
+        <p:nvSpPr>
+          <p:cNvPr id="4" name="Дата 3">
+            <a:extLst>
+              <a:ext uri="{FF2B5EF4-FFF2-40B4-BE49-F238E27FC236}">
+                <a16:creationId xmlns:a16="http://schemas.microsoft.com/office/drawing/2014/main" id="{A27F6AA6-0D09-8628-81DA-9D392F561AF3}"/>
+              </a:ext>
+            </a:extLst>
+          </p:cNvPr>
+          <p:cNvSpPr>
+            <a:spLocks noGrp="1"/>
+          </p:cNvSpPr>
+          <p:nvPr>
+            <p:ph type="dt" sz="half" idx="10"/>
+          </p:nvPr>
+        </p:nvSpPr>
+        <p:spPr/>
+        <p:txBody>
+          <a:bodyPr/>
+          <a:lstStyle/>
+          <a:p>
+            <a:fld id="{5BCAD085-E8A6-8845-BD4E-CB4CCA059FC4}" type="datetimeFigureOut">
+              <a:rPr lang="en-US" smtClean="0"/>
+              <a:t>6/25/2025</a:t>
+            </a:fld>
+            <a:endParaRPr lang="en-US"/>
+          </a:p>
+        </p:txBody>
+      </p:sp>
+      <p:sp>
+        <p:nvSpPr>
+          <p:cNvPr id="5" name="Нижний колонтитул 4">
+            <a:extLst>
+              <a:ext uri="{FF2B5EF4-FFF2-40B4-BE49-F238E27FC236}">
+                <a16:creationId xmlns:a16="http://schemas.microsoft.com/office/drawing/2014/main" id="{DBEEEADA-4557-9C09-F749-A88A203E9F5E}"/>
+              </a:ext>
+            </a:extLst>
+          </p:cNvPr>
+          <p:cNvSpPr>
+            <a:spLocks noGrp="1"/>
+          </p:cNvSpPr>
+          <p:nvPr>
+            <p:ph type="ftr" sz="quarter" idx="11"/>
+          </p:nvPr>
+        </p:nvSpPr>
+        <p:spPr/>
+        <p:txBody>
+          <a:bodyPr/>
+          <a:lstStyle/>
+          <a:p>
+            <a:endParaRPr lang="en-US"/>
+          </a:p>
+        </p:txBody>
+      </p:sp>
+      <p:sp>
+        <p:nvSpPr>
+          <p:cNvPr id="6" name="Номер слайда 5">
+            <a:extLst>
+              <a:ext uri="{FF2B5EF4-FFF2-40B4-BE49-F238E27FC236}">
+                <a16:creationId xmlns:a16="http://schemas.microsoft.com/office/drawing/2014/main" id="{1FE4A3C5-0EEB-DFFA-63C6-B5F2B36659DF}"/>
+              </a:ext>
+            </a:extLst>
+          </p:cNvPr>
+          <p:cNvSpPr>
+            <a:spLocks noGrp="1"/>
+          </p:cNvSpPr>
+          <p:nvPr>
+            <p:ph type="sldNum" sz="quarter" idx="12"/>
+          </p:nvPr>
+        </p:nvSpPr>
+        <p:spPr/>
+        <p:txBody>
+          <a:bodyPr/>
+          <a:lstStyle/>
+          <a:p>
+            <a:fld id="{C1FF6DA9-008F-8B48-92A6-B652298478BF}" type="slidenum">
+              <a:rPr lang="en-US" smtClean="0"/>
+              <a:t>‹#›</a:t>
+            </a:fld>
+            <a:endParaRPr lang="en-US"/>
+          </a:p>
+        </p:txBody>
+      </p:sp>
+    </p:spTree>
+    <p:extLst>
+      <p:ext uri="{BB962C8B-B14F-4D97-AF65-F5344CB8AC3E}">
+        <p14:creationId xmlns:p14="http://schemas.microsoft.com/office/powerpoint/2010/main" val="3179920380"/>
+      </p:ext>
+    </p:extLst>
+  </p:cSld>
+  <p:clrMapOvr>
+    <a:masterClrMapping/>
+  </p:clrMapOvr>
+</p:sldLayout>
+</file>
+
+<file path=ppt/slideLayouts/slideLayout21.xml><?xml version="1.0" encoding="utf-8"?>
+<p:sldLayout xmlns:a="http://schemas.openxmlformats.org/drawingml/2006/main" xmlns:r="http://schemas.openxmlformats.org/officeDocument/2006/relationships" xmlns:p="http://schemas.openxmlformats.org/presentationml/2006/main" type="twoObj" preserve="1">
+  <p:cSld name="Два объекта">
+    <p:spTree>
+      <p:nvGrpSpPr>
+        <p:cNvPr id="1" name=""/>
+        <p:cNvGrpSpPr/>
+        <p:nvPr/>
+      </p:nvGrpSpPr>
+      <p:grpSpPr>
+        <a:xfrm>
+          <a:off x="0" y="0"/>
+          <a:ext cx="0" cy="0"/>
+          <a:chOff x="0" y="0"/>
+          <a:chExt cx="0" cy="0"/>
+        </a:xfrm>
+      </p:grpSpPr>
+      <p:sp>
+        <p:nvSpPr>
+          <p:cNvPr id="2" name="Заголовок 1">
+            <a:extLst>
+              <a:ext uri="{FF2B5EF4-FFF2-40B4-BE49-F238E27FC236}">
+                <a16:creationId xmlns:a16="http://schemas.microsoft.com/office/drawing/2014/main" id="{3A4CB191-DC70-CCBC-5FF9-8898B843704D}"/>
+              </a:ext>
+            </a:extLst>
+          </p:cNvPr>
+          <p:cNvSpPr>
+            <a:spLocks noGrp="1"/>
+          </p:cNvSpPr>
+          <p:nvPr>
+            <p:ph type="title"/>
+          </p:nvPr>
+        </p:nvSpPr>
+        <p:spPr/>
+        <p:txBody>
+          <a:bodyPr/>
+          <a:lstStyle/>
+          <a:p>
+            <a:r>
+              <a:rPr lang="ru-RU"/>
+              <a:t>Образец заголовка</a:t>
+            </a:r>
+          </a:p>
+        </p:txBody>
+      </p:sp>
+      <p:sp>
+        <p:nvSpPr>
+          <p:cNvPr id="3" name="Объект 2">
+            <a:extLst>
+              <a:ext uri="{FF2B5EF4-FFF2-40B4-BE49-F238E27FC236}">
+                <a16:creationId xmlns:a16="http://schemas.microsoft.com/office/drawing/2014/main" id="{8DDA8E75-EE77-28B9-7BCB-D456F40B8900}"/>
+              </a:ext>
+            </a:extLst>
+          </p:cNvPr>
+          <p:cNvSpPr>
+            <a:spLocks noGrp="1"/>
+          </p:cNvSpPr>
+          <p:nvPr>
+            <p:ph sz="half" idx="1"/>
+          </p:nvPr>
+        </p:nvSpPr>
+        <p:spPr>
+          <a:xfrm>
+            <a:off x="628650" y="1825625"/>
+            <a:ext cx="3886200" cy="4351338"/>
+          </a:xfrm>
+        </p:spPr>
+        <p:txBody>
+          <a:bodyPr/>
+          <a:lstStyle/>
+          <a:p>
+            <a:pPr lvl="0"/>
+            <a:r>
+              <a:rPr lang="ru-RU"/>
+              <a:t>Образец текста</a:t>
+            </a:r>
+          </a:p>
+          <a:p>
+            <a:pPr lvl="1"/>
+            <a:r>
+              <a:rPr lang="ru-RU"/>
+              <a:t>Второй уровень</a:t>
+            </a:r>
+          </a:p>
+          <a:p>
+            <a:pPr lvl="2"/>
+            <a:r>
+              <a:rPr lang="ru-RU"/>
+              <a:t>Третий уровень</a:t>
+            </a:r>
+          </a:p>
+          <a:p>
+            <a:pPr lvl="3"/>
+            <a:r>
+              <a:rPr lang="ru-RU"/>
+              <a:t>Четвертый уровень</a:t>
+            </a:r>
+          </a:p>
+          <a:p>
+            <a:pPr lvl="4"/>
+            <a:r>
+              <a:rPr lang="ru-RU"/>
+              <a:t>Пятый уровень</a:t>
+            </a:r>
+          </a:p>
+        </p:txBody>
+      </p:sp>
+      <p:sp>
+        <p:nvSpPr>
+          <p:cNvPr id="4" name="Объект 3">
+            <a:extLst>
+              <a:ext uri="{FF2B5EF4-FFF2-40B4-BE49-F238E27FC236}">
+                <a16:creationId xmlns:a16="http://schemas.microsoft.com/office/drawing/2014/main" id="{D5044DA5-BA30-3B95-2922-75BAC455294A}"/>
+              </a:ext>
+            </a:extLst>
+          </p:cNvPr>
+          <p:cNvSpPr>
+            <a:spLocks noGrp="1"/>
+          </p:cNvSpPr>
+          <p:nvPr>
+            <p:ph sz="half" idx="2"/>
+          </p:nvPr>
+        </p:nvSpPr>
+        <p:spPr>
+          <a:xfrm>
+            <a:off x="4629150" y="1825625"/>
+            <a:ext cx="3886200" cy="4351338"/>
+          </a:xfrm>
+        </p:spPr>
+        <p:txBody>
+          <a:bodyPr/>
+          <a:lstStyle/>
+          <a:p>
+            <a:pPr lvl="0"/>
+            <a:r>
+              <a:rPr lang="ru-RU"/>
+              <a:t>Образец текста</a:t>
+            </a:r>
+          </a:p>
+          <a:p>
+            <a:pPr lvl="1"/>
+            <a:r>
+              <a:rPr lang="ru-RU"/>
+              <a:t>Второй уровень</a:t>
+            </a:r>
+          </a:p>
+          <a:p>
+            <a:pPr lvl="2"/>
+            <a:r>
+              <a:rPr lang="ru-RU"/>
+              <a:t>Третий уровень</a:t>
+            </a:r>
+          </a:p>
+          <a:p>
+            <a:pPr lvl="3"/>
+            <a:r>
+              <a:rPr lang="ru-RU"/>
+              <a:t>Четвертый уровень</a:t>
+            </a:r>
+          </a:p>
+          <a:p>
+            <a:pPr lvl="4"/>
+            <a:r>
+              <a:rPr lang="ru-RU"/>
+              <a:t>Пятый уровень</a:t>
+            </a:r>
+          </a:p>
+        </p:txBody>
+      </p:sp>
+      <p:sp>
+        <p:nvSpPr>
+          <p:cNvPr id="5" name="Дата 4">
+            <a:extLst>
+              <a:ext uri="{FF2B5EF4-FFF2-40B4-BE49-F238E27FC236}">
+                <a16:creationId xmlns:a16="http://schemas.microsoft.com/office/drawing/2014/main" id="{26943421-4A52-D99B-275F-02A440987C9E}"/>
+              </a:ext>
+            </a:extLst>
+          </p:cNvPr>
+          <p:cNvSpPr>
+            <a:spLocks noGrp="1"/>
+          </p:cNvSpPr>
+          <p:nvPr>
+            <p:ph type="dt" sz="half" idx="10"/>
+          </p:nvPr>
+        </p:nvSpPr>
+        <p:spPr/>
+        <p:txBody>
+          <a:bodyPr/>
+          <a:lstStyle/>
+          <a:p>
+            <a:fld id="{5BCAD085-E8A6-8845-BD4E-CB4CCA059FC4}" type="datetimeFigureOut">
+              <a:rPr lang="en-US" smtClean="0"/>
+              <a:t>6/25/2025</a:t>
+            </a:fld>
+            <a:endParaRPr lang="en-US"/>
+          </a:p>
+        </p:txBody>
+      </p:sp>
+      <p:sp>
+        <p:nvSpPr>
+          <p:cNvPr id="6" name="Нижний колонтитул 5">
+            <a:extLst>
+              <a:ext uri="{FF2B5EF4-FFF2-40B4-BE49-F238E27FC236}">
+                <a16:creationId xmlns:a16="http://schemas.microsoft.com/office/drawing/2014/main" id="{C33BC61C-BDCF-83F3-3A6A-D27965E080A1}"/>
+              </a:ext>
+            </a:extLst>
+          </p:cNvPr>
+          <p:cNvSpPr>
+            <a:spLocks noGrp="1"/>
+          </p:cNvSpPr>
+          <p:nvPr>
+            <p:ph type="ftr" sz="quarter" idx="11"/>
+          </p:nvPr>
+        </p:nvSpPr>
+        <p:spPr/>
+        <p:txBody>
+          <a:bodyPr/>
+          <a:lstStyle/>
+          <a:p>
+            <a:endParaRPr lang="en-US"/>
+          </a:p>
+        </p:txBody>
+      </p:sp>
+      <p:sp>
+        <p:nvSpPr>
+          <p:cNvPr id="7" name="Номер слайда 6">
+            <a:extLst>
+              <a:ext uri="{FF2B5EF4-FFF2-40B4-BE49-F238E27FC236}">
+                <a16:creationId xmlns:a16="http://schemas.microsoft.com/office/drawing/2014/main" id="{2812D393-FB2B-4BB7-1114-90016242EAAE}"/>
+              </a:ext>
+            </a:extLst>
+          </p:cNvPr>
+          <p:cNvSpPr>
+            <a:spLocks noGrp="1"/>
+          </p:cNvSpPr>
+          <p:nvPr>
+            <p:ph type="sldNum" sz="quarter" idx="12"/>
+          </p:nvPr>
+        </p:nvSpPr>
+        <p:spPr/>
+        <p:txBody>
+          <a:bodyPr/>
+          <a:lstStyle/>
+          <a:p>
+            <a:fld id="{C1FF6DA9-008F-8B48-92A6-B652298478BF}" type="slidenum">
+              <a:rPr lang="en-US" smtClean="0"/>
+              <a:t>‹#›</a:t>
+            </a:fld>
+            <a:endParaRPr lang="en-US"/>
+          </a:p>
+        </p:txBody>
+      </p:sp>
+    </p:spTree>
+    <p:extLst>
+      <p:ext uri="{BB962C8B-B14F-4D97-AF65-F5344CB8AC3E}">
+        <p14:creationId xmlns:p14="http://schemas.microsoft.com/office/powerpoint/2010/main" val="2960721084"/>
+      </p:ext>
+    </p:extLst>
+  </p:cSld>
+  <p:clrMapOvr>
+    <a:masterClrMapping/>
+  </p:clrMapOvr>
+</p:sldLayout>
+</file>
+
+<file path=ppt/slideLayouts/slideLayout22.xml><?xml version="1.0" encoding="utf-8"?>
+<p:sldLayout xmlns:a="http://schemas.openxmlformats.org/drawingml/2006/main" xmlns:r="http://schemas.openxmlformats.org/officeDocument/2006/relationships" xmlns:p="http://schemas.openxmlformats.org/presentationml/2006/main" type="twoTxTwoObj" preserve="1">
+  <p:cSld name="Сравнение">
+    <p:spTree>
+      <p:nvGrpSpPr>
+        <p:cNvPr id="1" name=""/>
+        <p:cNvGrpSpPr/>
+        <p:nvPr/>
+      </p:nvGrpSpPr>
+      <p:grpSpPr>
+        <a:xfrm>
+          <a:off x="0" y="0"/>
+          <a:ext cx="0" cy="0"/>
+          <a:chOff x="0" y="0"/>
+          <a:chExt cx="0" cy="0"/>
+        </a:xfrm>
+      </p:grpSpPr>
+      <p:sp>
+        <p:nvSpPr>
+          <p:cNvPr id="2" name="Заголовок 1">
+            <a:extLst>
+              <a:ext uri="{FF2B5EF4-FFF2-40B4-BE49-F238E27FC236}">
+                <a16:creationId xmlns:a16="http://schemas.microsoft.com/office/drawing/2014/main" id="{436A3E27-B896-CA1A-44E7-E33AA321C98B}"/>
+              </a:ext>
+            </a:extLst>
+          </p:cNvPr>
+          <p:cNvSpPr>
+            <a:spLocks noGrp="1"/>
+          </p:cNvSpPr>
+          <p:nvPr>
+            <p:ph type="title"/>
+          </p:nvPr>
+        </p:nvSpPr>
+        <p:spPr>
+          <a:xfrm>
+            <a:off x="629841" y="365126"/>
+            <a:ext cx="7886700" cy="1325563"/>
+          </a:xfrm>
+        </p:spPr>
+        <p:txBody>
+          <a:bodyPr/>
+          <a:lstStyle/>
+          <a:p>
+            <a:r>
+              <a:rPr lang="ru-RU"/>
+              <a:t>Образец заголовка</a:t>
+            </a:r>
+          </a:p>
+        </p:txBody>
+      </p:sp>
+      <p:sp>
+        <p:nvSpPr>
+          <p:cNvPr id="3" name="Текст 2">
+            <a:extLst>
+              <a:ext uri="{FF2B5EF4-FFF2-40B4-BE49-F238E27FC236}">
+                <a16:creationId xmlns:a16="http://schemas.microsoft.com/office/drawing/2014/main" id="{33E6E439-D61B-27F5-6AA4-348459D6EAA8}"/>
+              </a:ext>
+            </a:extLst>
+          </p:cNvPr>
+          <p:cNvSpPr>
+            <a:spLocks noGrp="1"/>
+          </p:cNvSpPr>
+          <p:nvPr>
+            <p:ph type="body" idx="1"/>
+          </p:nvPr>
+        </p:nvSpPr>
+        <p:spPr>
+          <a:xfrm>
+            <a:off x="629842" y="1681163"/>
+            <a:ext cx="3868340" cy="823912"/>
+          </a:xfrm>
+        </p:spPr>
+        <p:txBody>
+          <a:bodyPr anchor="b"/>
+          <a:lstStyle>
+            <a:lvl1pPr marL="0" indent="0">
+              <a:buNone/>
+              <a:defRPr sz="1800" b="1"/>
+            </a:lvl1pPr>
+            <a:lvl2pPr marL="342900" indent="0">
+              <a:buNone/>
+              <a:defRPr sz="1500" b="1"/>
+            </a:lvl2pPr>
+            <a:lvl3pPr marL="685800" indent="0">
+              <a:buNone/>
+              <a:defRPr sz="1350" b="1"/>
+            </a:lvl3pPr>
+            <a:lvl4pPr marL="1028700" indent="0">
+              <a:buNone/>
+              <a:defRPr sz="1200" b="1"/>
+            </a:lvl4pPr>
+            <a:lvl5pPr marL="1371600" indent="0">
+              <a:buNone/>
+              <a:defRPr sz="1200" b="1"/>
+            </a:lvl5pPr>
+            <a:lvl6pPr marL="1714500" indent="0">
+              <a:buNone/>
+              <a:defRPr sz="1200" b="1"/>
+            </a:lvl6pPr>
+            <a:lvl7pPr marL="2057400" indent="0">
+              <a:buNone/>
+              <a:defRPr sz="1200" b="1"/>
+            </a:lvl7pPr>
+            <a:lvl8pPr marL="2400300" indent="0">
+              <a:buNone/>
+              <a:defRPr sz="1200" b="1"/>
+            </a:lvl8pPr>
+            <a:lvl9pPr marL="2743200" indent="0">
+              <a:buNone/>
+              <a:defRPr sz="1200" b="1"/>
+            </a:lvl9pPr>
+          </a:lstStyle>
+          <a:p>
+            <a:pPr lvl="0"/>
+            <a:r>
+              <a:rPr lang="ru-RU"/>
+              <a:t>Образец текста</a:t>
+            </a:r>
+          </a:p>
+        </p:txBody>
+      </p:sp>
+      <p:sp>
+        <p:nvSpPr>
+          <p:cNvPr id="4" name="Объект 3">
+            <a:extLst>
+              <a:ext uri="{FF2B5EF4-FFF2-40B4-BE49-F238E27FC236}">
+                <a16:creationId xmlns:a16="http://schemas.microsoft.com/office/drawing/2014/main" id="{35353E2A-91A7-1E74-BF94-583FEAB76C01}"/>
+              </a:ext>
+            </a:extLst>
+          </p:cNvPr>
+          <p:cNvSpPr>
+            <a:spLocks noGrp="1"/>
+          </p:cNvSpPr>
+          <p:nvPr>
+            <p:ph sz="half" idx="2"/>
+          </p:nvPr>
+        </p:nvSpPr>
+        <p:spPr>
+          <a:xfrm>
+            <a:off x="629842" y="2505075"/>
+            <a:ext cx="3868340" cy="3684588"/>
+          </a:xfrm>
+        </p:spPr>
+        <p:txBody>
+          <a:bodyPr/>
+          <a:lstStyle/>
+          <a:p>
+            <a:pPr lvl="0"/>
+            <a:r>
+              <a:rPr lang="ru-RU"/>
+              <a:t>Образец текста</a:t>
+            </a:r>
+          </a:p>
+          <a:p>
+            <a:pPr lvl="1"/>
+            <a:r>
+              <a:rPr lang="ru-RU"/>
+              <a:t>Второй уровень</a:t>
+            </a:r>
+          </a:p>
+          <a:p>
+            <a:pPr lvl="2"/>
+            <a:r>
+              <a:rPr lang="ru-RU"/>
+              <a:t>Третий уровень</a:t>
+            </a:r>
+          </a:p>
+          <a:p>
+            <a:pPr lvl="3"/>
+            <a:r>
+              <a:rPr lang="ru-RU"/>
+              <a:t>Четвертый уровень</a:t>
+            </a:r>
+          </a:p>
+          <a:p>
+            <a:pPr lvl="4"/>
+            <a:r>
+              <a:rPr lang="ru-RU"/>
+              <a:t>Пятый уровень</a:t>
+            </a:r>
+          </a:p>
+        </p:txBody>
+      </p:sp>
+      <p:sp>
+        <p:nvSpPr>
+          <p:cNvPr id="5" name="Текст 4">
+            <a:extLst>
+              <a:ext uri="{FF2B5EF4-FFF2-40B4-BE49-F238E27FC236}">
+                <a16:creationId xmlns:a16="http://schemas.microsoft.com/office/drawing/2014/main" id="{D6768764-03B8-A7F9-B2C6-6B0D08EB1AFB}"/>
+              </a:ext>
+            </a:extLst>
+          </p:cNvPr>
+          <p:cNvSpPr>
+            <a:spLocks noGrp="1"/>
+          </p:cNvSpPr>
+          <p:nvPr>
+            <p:ph type="body" sz="quarter" idx="3"/>
+          </p:nvPr>
+        </p:nvSpPr>
+        <p:spPr>
+          <a:xfrm>
+            <a:off x="4629150" y="1681163"/>
+            <a:ext cx="3887391" cy="823912"/>
+          </a:xfrm>
+        </p:spPr>
+        <p:txBody>
+          <a:bodyPr anchor="b"/>
+          <a:lstStyle>
+            <a:lvl1pPr marL="0" indent="0">
+              <a:buNone/>
+              <a:defRPr sz="1800" b="1"/>
+            </a:lvl1pPr>
+            <a:lvl2pPr marL="342900" indent="0">
+              <a:buNone/>
+              <a:defRPr sz="1500" b="1"/>
+            </a:lvl2pPr>
+            <a:lvl3pPr marL="685800" indent="0">
+              <a:buNone/>
+              <a:defRPr sz="1350" b="1"/>
+            </a:lvl3pPr>
+            <a:lvl4pPr marL="1028700" indent="0">
+              <a:buNone/>
+              <a:defRPr sz="1200" b="1"/>
+            </a:lvl4pPr>
+            <a:lvl5pPr marL="1371600" indent="0">
+              <a:buNone/>
+              <a:defRPr sz="1200" b="1"/>
+            </a:lvl5pPr>
+            <a:lvl6pPr marL="1714500" indent="0">
+              <a:buNone/>
+              <a:defRPr sz="1200" b="1"/>
+            </a:lvl6pPr>
+            <a:lvl7pPr marL="2057400" indent="0">
+              <a:buNone/>
+              <a:defRPr sz="1200" b="1"/>
+            </a:lvl7pPr>
+            <a:lvl8pPr marL="2400300" indent="0">
+              <a:buNone/>
+              <a:defRPr sz="1200" b="1"/>
+            </a:lvl8pPr>
+            <a:lvl9pPr marL="2743200" indent="0">
+              <a:buNone/>
+              <a:defRPr sz="1200" b="1"/>
+            </a:lvl9pPr>
+          </a:lstStyle>
+          <a:p>
+            <a:pPr lvl="0"/>
+            <a:r>
+              <a:rPr lang="ru-RU"/>
+              <a:t>Образец текста</a:t>
+            </a:r>
+          </a:p>
+        </p:txBody>
+      </p:sp>
+      <p:sp>
+        <p:nvSpPr>
+          <p:cNvPr id="6" name="Объект 5">
+            <a:extLst>
+              <a:ext uri="{FF2B5EF4-FFF2-40B4-BE49-F238E27FC236}">
+                <a16:creationId xmlns:a16="http://schemas.microsoft.com/office/drawing/2014/main" id="{0A0A8459-4A59-B7FE-A7D4-9EC7E5FA9B0E}"/>
+              </a:ext>
+            </a:extLst>
+          </p:cNvPr>
+          <p:cNvSpPr>
+            <a:spLocks noGrp="1"/>
+          </p:cNvSpPr>
+          <p:nvPr>
+            <p:ph sz="quarter" idx="4"/>
+          </p:nvPr>
+        </p:nvSpPr>
+        <p:spPr>
+          <a:xfrm>
+            <a:off x="4629150" y="2505075"/>
+            <a:ext cx="3887391" cy="3684588"/>
+          </a:xfrm>
+        </p:spPr>
+        <p:txBody>
+          <a:bodyPr/>
+          <a:lstStyle/>
+          <a:p>
+            <a:pPr lvl="0"/>
+            <a:r>
+              <a:rPr lang="ru-RU"/>
+              <a:t>Образец текста</a:t>
+            </a:r>
+          </a:p>
+          <a:p>
+            <a:pPr lvl="1"/>
+            <a:r>
+              <a:rPr lang="ru-RU"/>
+              <a:t>Второй уровень</a:t>
+            </a:r>
+          </a:p>
+          <a:p>
+            <a:pPr lvl="2"/>
+            <a:r>
+              <a:rPr lang="ru-RU"/>
+              <a:t>Третий уровень</a:t>
+            </a:r>
+          </a:p>
+          <a:p>
+            <a:pPr lvl="3"/>
+            <a:r>
+              <a:rPr lang="ru-RU"/>
+              <a:t>Четвертый уровень</a:t>
+            </a:r>
+          </a:p>
+          <a:p>
+            <a:pPr lvl="4"/>
+            <a:r>
+              <a:rPr lang="ru-RU"/>
+              <a:t>Пятый уровень</a:t>
+            </a:r>
+          </a:p>
+        </p:txBody>
+      </p:sp>
+      <p:sp>
+        <p:nvSpPr>
+          <p:cNvPr id="7" name="Дата 6">
+            <a:extLst>
+              <a:ext uri="{FF2B5EF4-FFF2-40B4-BE49-F238E27FC236}">
+                <a16:creationId xmlns:a16="http://schemas.microsoft.com/office/drawing/2014/main" id="{A9717F26-F86F-F036-3D02-4EEA5B2B7C7A}"/>
+              </a:ext>
+            </a:extLst>
+          </p:cNvPr>
+          <p:cNvSpPr>
+            <a:spLocks noGrp="1"/>
+          </p:cNvSpPr>
+          <p:nvPr>
+            <p:ph type="dt" sz="half" idx="10"/>
+          </p:nvPr>
+        </p:nvSpPr>
+        <p:spPr/>
+        <p:txBody>
+          <a:bodyPr/>
+          <a:lstStyle/>
+          <a:p>
+            <a:fld id="{5BCAD085-E8A6-8845-BD4E-CB4CCA059FC4}" type="datetimeFigureOut">
+              <a:rPr lang="en-US" smtClean="0"/>
+              <a:t>6/25/2025</a:t>
+            </a:fld>
+            <a:endParaRPr lang="en-US"/>
+          </a:p>
+        </p:txBody>
+      </p:sp>
+      <p:sp>
+        <p:nvSpPr>
+          <p:cNvPr id="8" name="Нижний колонтитул 7">
+            <a:extLst>
+              <a:ext uri="{FF2B5EF4-FFF2-40B4-BE49-F238E27FC236}">
+                <a16:creationId xmlns:a16="http://schemas.microsoft.com/office/drawing/2014/main" id="{4C9F6C85-52CB-EA86-F650-111734720DF0}"/>
+              </a:ext>
+            </a:extLst>
+          </p:cNvPr>
+          <p:cNvSpPr>
+            <a:spLocks noGrp="1"/>
+          </p:cNvSpPr>
+          <p:nvPr>
+            <p:ph type="ftr" sz="quarter" idx="11"/>
+          </p:nvPr>
+        </p:nvSpPr>
+        <p:spPr/>
+        <p:txBody>
+          <a:bodyPr/>
+          <a:lstStyle/>
+          <a:p>
+            <a:endParaRPr lang="en-US"/>
+          </a:p>
+        </p:txBody>
+      </p:sp>
+      <p:sp>
+        <p:nvSpPr>
+          <p:cNvPr id="9" name="Номер слайда 8">
+            <a:extLst>
+              <a:ext uri="{FF2B5EF4-FFF2-40B4-BE49-F238E27FC236}">
+                <a16:creationId xmlns:a16="http://schemas.microsoft.com/office/drawing/2014/main" id="{5D1AE1C5-DAEC-EDF8-E87A-257D17562E82}"/>
+              </a:ext>
+            </a:extLst>
+          </p:cNvPr>
+          <p:cNvSpPr>
+            <a:spLocks noGrp="1"/>
+          </p:cNvSpPr>
+          <p:nvPr>
+            <p:ph type="sldNum" sz="quarter" idx="12"/>
+          </p:nvPr>
+        </p:nvSpPr>
+        <p:spPr/>
+        <p:txBody>
+          <a:bodyPr/>
+          <a:lstStyle/>
+          <a:p>
+            <a:fld id="{C1FF6DA9-008F-8B48-92A6-B652298478BF}" type="slidenum">
+              <a:rPr lang="en-US" smtClean="0"/>
+              <a:t>‹#›</a:t>
+            </a:fld>
+            <a:endParaRPr lang="en-US"/>
+          </a:p>
+        </p:txBody>
+      </p:sp>
+    </p:spTree>
+    <p:extLst>
+      <p:ext uri="{BB962C8B-B14F-4D97-AF65-F5344CB8AC3E}">
+        <p14:creationId xmlns:p14="http://schemas.microsoft.com/office/powerpoint/2010/main" val="1910733851"/>
+      </p:ext>
+    </p:extLst>
+  </p:cSld>
+  <p:clrMapOvr>
+    <a:masterClrMapping/>
+  </p:clrMapOvr>
+</p:sldLayout>
+</file>
+
+<file path=ppt/slideLayouts/slideLayout23.xml><?xml version="1.0" encoding="utf-8"?>
+<p:sldLayout xmlns:a="http://schemas.openxmlformats.org/drawingml/2006/main" xmlns:r="http://schemas.openxmlformats.org/officeDocument/2006/relationships" xmlns:p="http://schemas.openxmlformats.org/presentationml/2006/main" type="titleOnly" preserve="1">
+  <p:cSld name="Только заголовок">
+    <p:spTree>
+      <p:nvGrpSpPr>
+        <p:cNvPr id="1" name=""/>
+        <p:cNvGrpSpPr/>
+        <p:nvPr/>
+      </p:nvGrpSpPr>
+      <p:grpSpPr>
+        <a:xfrm>
+          <a:off x="0" y="0"/>
+          <a:ext cx="0" cy="0"/>
+          <a:chOff x="0" y="0"/>
+          <a:chExt cx="0" cy="0"/>
+        </a:xfrm>
+      </p:grpSpPr>
+      <p:sp>
+        <p:nvSpPr>
+          <p:cNvPr id="2" name="Заголовок 1">
+            <a:extLst>
+              <a:ext uri="{FF2B5EF4-FFF2-40B4-BE49-F238E27FC236}">
+                <a16:creationId xmlns:a16="http://schemas.microsoft.com/office/drawing/2014/main" id="{21694EA7-68C8-65EB-E018-1FB52FE9B1CA}"/>
+              </a:ext>
+            </a:extLst>
+          </p:cNvPr>
+          <p:cNvSpPr>
+            <a:spLocks noGrp="1"/>
+          </p:cNvSpPr>
+          <p:nvPr>
+            <p:ph type="title"/>
+          </p:nvPr>
+        </p:nvSpPr>
+        <p:spPr/>
+        <p:txBody>
+          <a:bodyPr/>
+          <a:lstStyle/>
+          <a:p>
+            <a:r>
+              <a:rPr lang="ru-RU"/>
+              <a:t>Образец заголовка</a:t>
+            </a:r>
+          </a:p>
+        </p:txBody>
+      </p:sp>
+      <p:sp>
+        <p:nvSpPr>
+          <p:cNvPr id="3" name="Дата 2">
+            <a:extLst>
+              <a:ext uri="{FF2B5EF4-FFF2-40B4-BE49-F238E27FC236}">
+                <a16:creationId xmlns:a16="http://schemas.microsoft.com/office/drawing/2014/main" id="{6F8A3BE1-3217-88CC-876D-01B730C6300D}"/>
+              </a:ext>
+            </a:extLst>
+          </p:cNvPr>
+          <p:cNvSpPr>
+            <a:spLocks noGrp="1"/>
+          </p:cNvSpPr>
+          <p:nvPr>
+            <p:ph type="dt" sz="half" idx="10"/>
+          </p:nvPr>
+        </p:nvSpPr>
+        <p:spPr/>
+        <p:txBody>
+          <a:bodyPr/>
+          <a:lstStyle/>
+          <a:p>
+            <a:fld id="{5BCAD085-E8A6-8845-BD4E-CB4CCA059FC4}" type="datetimeFigureOut">
+              <a:rPr lang="en-US" smtClean="0"/>
+              <a:t>6/25/2025</a:t>
+            </a:fld>
+            <a:endParaRPr lang="en-US"/>
+          </a:p>
+        </p:txBody>
+      </p:sp>
+      <p:sp>
+        <p:nvSpPr>
+          <p:cNvPr id="4" name="Нижний колонтитул 3">
+            <a:extLst>
+              <a:ext uri="{FF2B5EF4-FFF2-40B4-BE49-F238E27FC236}">
+                <a16:creationId xmlns:a16="http://schemas.microsoft.com/office/drawing/2014/main" id="{A63C99DD-5FAD-F922-57DF-B0A071045834}"/>
+              </a:ext>
+            </a:extLst>
+          </p:cNvPr>
+          <p:cNvSpPr>
+            <a:spLocks noGrp="1"/>
+          </p:cNvSpPr>
+          <p:nvPr>
+            <p:ph type="ftr" sz="quarter" idx="11"/>
+          </p:nvPr>
+        </p:nvSpPr>
+        <p:spPr/>
+        <p:txBody>
+          <a:bodyPr/>
+          <a:lstStyle/>
+          <a:p>
+            <a:endParaRPr lang="en-US"/>
+          </a:p>
+        </p:txBody>
+      </p:sp>
+      <p:sp>
+        <p:nvSpPr>
+          <p:cNvPr id="5" name="Номер слайда 4">
+            <a:extLst>
+              <a:ext uri="{FF2B5EF4-FFF2-40B4-BE49-F238E27FC236}">
+                <a16:creationId xmlns:a16="http://schemas.microsoft.com/office/drawing/2014/main" id="{380CA40B-AA04-5491-91B5-3B8BAB437FCE}"/>
+              </a:ext>
+            </a:extLst>
+          </p:cNvPr>
+          <p:cNvSpPr>
+            <a:spLocks noGrp="1"/>
+          </p:cNvSpPr>
+          <p:nvPr>
+            <p:ph type="sldNum" sz="quarter" idx="12"/>
+          </p:nvPr>
+        </p:nvSpPr>
+        <p:spPr/>
+        <p:txBody>
+          <a:bodyPr/>
+          <a:lstStyle/>
+          <a:p>
+            <a:fld id="{C1FF6DA9-008F-8B48-92A6-B652298478BF}" type="slidenum">
+              <a:rPr lang="en-US" smtClean="0"/>
+              <a:t>‹#›</a:t>
+            </a:fld>
+            <a:endParaRPr lang="en-US"/>
+          </a:p>
+        </p:txBody>
+      </p:sp>
+    </p:spTree>
+    <p:extLst>
+      <p:ext uri="{BB962C8B-B14F-4D97-AF65-F5344CB8AC3E}">
+        <p14:creationId xmlns:p14="http://schemas.microsoft.com/office/powerpoint/2010/main" val="3409270473"/>
+      </p:ext>
+    </p:extLst>
+  </p:cSld>
+  <p:clrMapOvr>
+    <a:masterClrMapping/>
+  </p:clrMapOvr>
+</p:sldLayout>
+</file>
+
+<file path=ppt/slideLayouts/slideLayout24.xml><?xml version="1.0" encoding="utf-8"?>
+<p:sldLayout xmlns:a="http://schemas.openxmlformats.org/drawingml/2006/main" xmlns:r="http://schemas.openxmlformats.org/officeDocument/2006/relationships" xmlns:p="http://schemas.openxmlformats.org/presentationml/2006/main" type="blank" preserve="1">
+  <p:cSld name="Пустой слайд">
+    <p:spTree>
+      <p:nvGrpSpPr>
+        <p:cNvPr id="1" name=""/>
+        <p:cNvGrpSpPr/>
+        <p:nvPr/>
+      </p:nvGrpSpPr>
+      <p:grpSpPr>
+        <a:xfrm>
+          <a:off x="0" y="0"/>
+          <a:ext cx="0" cy="0"/>
+          <a:chOff x="0" y="0"/>
+          <a:chExt cx="0" cy="0"/>
+        </a:xfrm>
+      </p:grpSpPr>
+      <p:sp>
+        <p:nvSpPr>
+          <p:cNvPr id="2" name="Дата 1">
+            <a:extLst>
+              <a:ext uri="{FF2B5EF4-FFF2-40B4-BE49-F238E27FC236}">
+                <a16:creationId xmlns:a16="http://schemas.microsoft.com/office/drawing/2014/main" id="{83B326F8-073C-B738-B806-3404AD35866D}"/>
+              </a:ext>
+            </a:extLst>
+          </p:cNvPr>
+          <p:cNvSpPr>
+            <a:spLocks noGrp="1"/>
+          </p:cNvSpPr>
+          <p:nvPr>
+            <p:ph type="dt" sz="half" idx="10"/>
+          </p:nvPr>
+        </p:nvSpPr>
+        <p:spPr/>
+        <p:txBody>
+          <a:bodyPr/>
+          <a:lstStyle/>
+          <a:p>
+            <a:fld id="{5BCAD085-E8A6-8845-BD4E-CB4CCA059FC4}" type="datetimeFigureOut">
+              <a:rPr lang="en-US" smtClean="0"/>
+              <a:t>6/25/2025</a:t>
+            </a:fld>
+            <a:endParaRPr lang="en-US"/>
+          </a:p>
+        </p:txBody>
+      </p:sp>
+      <p:sp>
+        <p:nvSpPr>
+          <p:cNvPr id="3" name="Нижний колонтитул 2">
+            <a:extLst>
+              <a:ext uri="{FF2B5EF4-FFF2-40B4-BE49-F238E27FC236}">
+                <a16:creationId xmlns:a16="http://schemas.microsoft.com/office/drawing/2014/main" id="{8FE4D6ED-436C-60DE-989D-18B87F682733}"/>
+              </a:ext>
+            </a:extLst>
+          </p:cNvPr>
+          <p:cNvSpPr>
+            <a:spLocks noGrp="1"/>
+          </p:cNvSpPr>
+          <p:nvPr>
+            <p:ph type="ftr" sz="quarter" idx="11"/>
+          </p:nvPr>
+        </p:nvSpPr>
+        <p:spPr/>
+        <p:txBody>
+          <a:bodyPr/>
+          <a:lstStyle/>
+          <a:p>
+            <a:endParaRPr lang="en-US"/>
+          </a:p>
+        </p:txBody>
+      </p:sp>
+      <p:sp>
+        <p:nvSpPr>
+          <p:cNvPr id="4" name="Номер слайда 3">
+            <a:extLst>
+              <a:ext uri="{FF2B5EF4-FFF2-40B4-BE49-F238E27FC236}">
+                <a16:creationId xmlns:a16="http://schemas.microsoft.com/office/drawing/2014/main" id="{21819355-23B1-54AB-C05B-7F9383FE66CB}"/>
+              </a:ext>
+            </a:extLst>
+          </p:cNvPr>
+          <p:cNvSpPr>
+            <a:spLocks noGrp="1"/>
+          </p:cNvSpPr>
+          <p:nvPr>
+            <p:ph type="sldNum" sz="quarter" idx="12"/>
+          </p:nvPr>
+        </p:nvSpPr>
+        <p:spPr/>
+        <p:txBody>
+          <a:bodyPr/>
+          <a:lstStyle/>
+          <a:p>
+            <a:fld id="{C1FF6DA9-008F-8B48-92A6-B652298478BF}" type="slidenum">
+              <a:rPr lang="en-US" smtClean="0"/>
+              <a:t>‹#›</a:t>
+            </a:fld>
+            <a:endParaRPr lang="en-US"/>
+          </a:p>
+        </p:txBody>
+      </p:sp>
+    </p:spTree>
+    <p:extLst>
+      <p:ext uri="{BB962C8B-B14F-4D97-AF65-F5344CB8AC3E}">
+        <p14:creationId xmlns:p14="http://schemas.microsoft.com/office/powerpoint/2010/main" val="714716261"/>
+      </p:ext>
+    </p:extLst>
+  </p:cSld>
+  <p:clrMapOvr>
+    <a:masterClrMapping/>
+  </p:clrMapOvr>
+</p:sldLayout>
+</file>
+
+<file path=ppt/slideLayouts/slideLayout25.xml><?xml version="1.0" encoding="utf-8"?>
+<p:sldLayout xmlns:a="http://schemas.openxmlformats.org/drawingml/2006/main" xmlns:r="http://schemas.openxmlformats.org/officeDocument/2006/relationships" xmlns:p="http://schemas.openxmlformats.org/presentationml/2006/main" type="objTx" preserve="1">
+  <p:cSld name="Объект с подписью">
+    <p:spTree>
+      <p:nvGrpSpPr>
+        <p:cNvPr id="1" name=""/>
+        <p:cNvGrpSpPr/>
+        <p:nvPr/>
+      </p:nvGrpSpPr>
+      <p:grpSpPr>
+        <a:xfrm>
+          <a:off x="0" y="0"/>
+          <a:ext cx="0" cy="0"/>
+          <a:chOff x="0" y="0"/>
+          <a:chExt cx="0" cy="0"/>
+        </a:xfrm>
+      </p:grpSpPr>
+      <p:sp>
+        <p:nvSpPr>
+          <p:cNvPr id="2" name="Заголовок 1">
+            <a:extLst>
+              <a:ext uri="{FF2B5EF4-FFF2-40B4-BE49-F238E27FC236}">
+                <a16:creationId xmlns:a16="http://schemas.microsoft.com/office/drawing/2014/main" id="{B88B3737-D7A6-C7CD-A5C3-9A2F7C430968}"/>
+              </a:ext>
+            </a:extLst>
+          </p:cNvPr>
+          <p:cNvSpPr>
+            <a:spLocks noGrp="1"/>
+          </p:cNvSpPr>
+          <p:nvPr>
+            <p:ph type="title"/>
+          </p:nvPr>
+        </p:nvSpPr>
+        <p:spPr>
+          <a:xfrm>
+            <a:off x="629841" y="457200"/>
+            <a:ext cx="2949178" cy="1600200"/>
+          </a:xfrm>
+        </p:spPr>
+        <p:txBody>
+          <a:bodyPr anchor="b"/>
+          <a:lstStyle>
+            <a:lvl1pPr>
+              <a:defRPr sz="2400"/>
+            </a:lvl1pPr>
+          </a:lstStyle>
+          <a:p>
+            <a:r>
+              <a:rPr lang="ru-RU"/>
+              <a:t>Образец заголовка</a:t>
+            </a:r>
+          </a:p>
+        </p:txBody>
+      </p:sp>
+      <p:sp>
+        <p:nvSpPr>
+          <p:cNvPr id="3" name="Объект 2">
+            <a:extLst>
+              <a:ext uri="{FF2B5EF4-FFF2-40B4-BE49-F238E27FC236}">
+                <a16:creationId xmlns:a16="http://schemas.microsoft.com/office/drawing/2014/main" id="{A5573EFC-FD42-5789-FEBA-59A70AB049E7}"/>
+              </a:ext>
+            </a:extLst>
+          </p:cNvPr>
+          <p:cNvSpPr>
+            <a:spLocks noGrp="1"/>
+          </p:cNvSpPr>
+          <p:nvPr>
+            <p:ph idx="1"/>
+          </p:nvPr>
+        </p:nvSpPr>
+        <p:spPr>
+          <a:xfrm>
+            <a:off x="3887391" y="987426"/>
+            <a:ext cx="4629150" cy="4873625"/>
+          </a:xfrm>
+        </p:spPr>
+        <p:txBody>
+          <a:bodyPr/>
+          <a:lstStyle>
+            <a:lvl1pPr>
+              <a:defRPr sz="2400"/>
+            </a:lvl1pPr>
+            <a:lvl2pPr>
+              <a:defRPr sz="2100"/>
+            </a:lvl2pPr>
+            <a:lvl3pPr>
+              <a:defRPr sz="1800"/>
+            </a:lvl3pPr>
+            <a:lvl4pPr>
+              <a:defRPr sz="1500"/>
+            </a:lvl4pPr>
+            <a:lvl5pPr>
+              <a:defRPr sz="1500"/>
+            </a:lvl5pPr>
+            <a:lvl6pPr>
+              <a:defRPr sz="1500"/>
+            </a:lvl6pPr>
+            <a:lvl7pPr>
+              <a:defRPr sz="1500"/>
+            </a:lvl7pPr>
+            <a:lvl8pPr>
+              <a:defRPr sz="1500"/>
+            </a:lvl8pPr>
+            <a:lvl9pPr>
+              <a:defRPr sz="1500"/>
+            </a:lvl9pPr>
+          </a:lstStyle>
+          <a:p>
+            <a:pPr lvl="0"/>
+            <a:r>
+              <a:rPr lang="ru-RU"/>
+              <a:t>Образец текста</a:t>
+            </a:r>
+          </a:p>
+          <a:p>
+            <a:pPr lvl="1"/>
+            <a:r>
+              <a:rPr lang="ru-RU"/>
+              <a:t>Второй уровень</a:t>
+            </a:r>
+          </a:p>
+          <a:p>
+            <a:pPr lvl="2"/>
+            <a:r>
+              <a:rPr lang="ru-RU"/>
+              <a:t>Третий уровень</a:t>
+            </a:r>
+          </a:p>
+          <a:p>
+            <a:pPr lvl="3"/>
+            <a:r>
+              <a:rPr lang="ru-RU"/>
+              <a:t>Четвертый уровень</a:t>
+            </a:r>
+          </a:p>
+          <a:p>
+            <a:pPr lvl="4"/>
+            <a:r>
+              <a:rPr lang="ru-RU"/>
+              <a:t>Пятый уровень</a:t>
+            </a:r>
+          </a:p>
+        </p:txBody>
+      </p:sp>
+      <p:sp>
+        <p:nvSpPr>
+          <p:cNvPr id="4" name="Текст 3">
+            <a:extLst>
+              <a:ext uri="{FF2B5EF4-FFF2-40B4-BE49-F238E27FC236}">
+                <a16:creationId xmlns:a16="http://schemas.microsoft.com/office/drawing/2014/main" id="{A96498CF-35E7-6B59-D434-360D39CE22B7}"/>
+              </a:ext>
+            </a:extLst>
+          </p:cNvPr>
+          <p:cNvSpPr>
+            <a:spLocks noGrp="1"/>
+          </p:cNvSpPr>
+          <p:nvPr>
+            <p:ph type="body" sz="half" idx="2"/>
+          </p:nvPr>
+        </p:nvSpPr>
+        <p:spPr>
+          <a:xfrm>
+            <a:off x="629841" y="2057400"/>
+            <a:ext cx="2949178" cy="3811588"/>
+          </a:xfrm>
+        </p:spPr>
+        <p:txBody>
+          <a:bodyPr/>
+          <a:lstStyle>
+            <a:lvl1pPr marL="0" indent="0">
+              <a:buNone/>
+              <a:defRPr sz="1200"/>
+            </a:lvl1pPr>
+            <a:lvl2pPr marL="342900" indent="0">
+              <a:buNone/>
+              <a:defRPr sz="1050"/>
+            </a:lvl2pPr>
+            <a:lvl3pPr marL="685800" indent="0">
+              <a:buNone/>
+              <a:defRPr sz="900"/>
+            </a:lvl3pPr>
+            <a:lvl4pPr marL="1028700" indent="0">
+              <a:buNone/>
+              <a:defRPr sz="750"/>
+            </a:lvl4pPr>
+            <a:lvl5pPr marL="1371600" indent="0">
+              <a:buNone/>
+              <a:defRPr sz="750"/>
+            </a:lvl5pPr>
+            <a:lvl6pPr marL="1714500" indent="0">
+              <a:buNone/>
+              <a:defRPr sz="750"/>
+            </a:lvl6pPr>
+            <a:lvl7pPr marL="2057400" indent="0">
+              <a:buNone/>
+              <a:defRPr sz="750"/>
+            </a:lvl7pPr>
+            <a:lvl8pPr marL="2400300" indent="0">
+              <a:buNone/>
+              <a:defRPr sz="750"/>
+            </a:lvl8pPr>
+            <a:lvl9pPr marL="2743200" indent="0">
+              <a:buNone/>
+              <a:defRPr sz="750"/>
+            </a:lvl9pPr>
+          </a:lstStyle>
+          <a:p>
+            <a:pPr lvl="0"/>
+            <a:r>
+              <a:rPr lang="ru-RU"/>
+              <a:t>Образец текста</a:t>
+            </a:r>
+          </a:p>
+        </p:txBody>
+      </p:sp>
+      <p:sp>
+        <p:nvSpPr>
+          <p:cNvPr id="5" name="Дата 4">
+            <a:extLst>
+              <a:ext uri="{FF2B5EF4-FFF2-40B4-BE49-F238E27FC236}">
+                <a16:creationId xmlns:a16="http://schemas.microsoft.com/office/drawing/2014/main" id="{2422876D-700A-BA92-8A57-42EEA55213CD}"/>
+              </a:ext>
+            </a:extLst>
+          </p:cNvPr>
+          <p:cNvSpPr>
+            <a:spLocks noGrp="1"/>
+          </p:cNvSpPr>
+          <p:nvPr>
+            <p:ph type="dt" sz="half" idx="10"/>
+          </p:nvPr>
+        </p:nvSpPr>
+        <p:spPr/>
+        <p:txBody>
+          <a:bodyPr/>
+          <a:lstStyle/>
+          <a:p>
+            <a:fld id="{5BCAD085-E8A6-8845-BD4E-CB4CCA059FC4}" type="datetimeFigureOut">
+              <a:rPr lang="en-US" smtClean="0"/>
+              <a:t>6/25/2025</a:t>
+            </a:fld>
+            <a:endParaRPr lang="en-US"/>
+          </a:p>
+        </p:txBody>
+      </p:sp>
+      <p:sp>
+        <p:nvSpPr>
+          <p:cNvPr id="6" name="Нижний колонтитул 5">
+            <a:extLst>
+              <a:ext uri="{FF2B5EF4-FFF2-40B4-BE49-F238E27FC236}">
+                <a16:creationId xmlns:a16="http://schemas.microsoft.com/office/drawing/2014/main" id="{DB2232A0-3360-5D88-D29F-47ABEA9C1A64}"/>
+              </a:ext>
+            </a:extLst>
+          </p:cNvPr>
+          <p:cNvSpPr>
+            <a:spLocks noGrp="1"/>
+          </p:cNvSpPr>
+          <p:nvPr>
+            <p:ph type="ftr" sz="quarter" idx="11"/>
+          </p:nvPr>
+        </p:nvSpPr>
+        <p:spPr/>
+        <p:txBody>
+          <a:bodyPr/>
+          <a:lstStyle/>
+          <a:p>
+            <a:endParaRPr lang="en-US"/>
+          </a:p>
+        </p:txBody>
+      </p:sp>
+      <p:sp>
+        <p:nvSpPr>
+          <p:cNvPr id="7" name="Номер слайда 6">
+            <a:extLst>
+              <a:ext uri="{FF2B5EF4-FFF2-40B4-BE49-F238E27FC236}">
+                <a16:creationId xmlns:a16="http://schemas.microsoft.com/office/drawing/2014/main" id="{39A845EA-3E96-14EE-0A1F-CE1A09CB0791}"/>
+              </a:ext>
+            </a:extLst>
+          </p:cNvPr>
+          <p:cNvSpPr>
+            <a:spLocks noGrp="1"/>
+          </p:cNvSpPr>
+          <p:nvPr>
+            <p:ph type="sldNum" sz="quarter" idx="12"/>
+          </p:nvPr>
+        </p:nvSpPr>
+        <p:spPr/>
+        <p:txBody>
+          <a:bodyPr/>
+          <a:lstStyle/>
+          <a:p>
+            <a:fld id="{C1FF6DA9-008F-8B48-92A6-B652298478BF}" type="slidenum">
+              <a:rPr lang="en-US" smtClean="0"/>
+              <a:t>‹#›</a:t>
+            </a:fld>
+            <a:endParaRPr lang="en-US"/>
+          </a:p>
+        </p:txBody>
+      </p:sp>
+    </p:spTree>
+    <p:extLst>
+      <p:ext uri="{BB962C8B-B14F-4D97-AF65-F5344CB8AC3E}">
+        <p14:creationId xmlns:p14="http://schemas.microsoft.com/office/powerpoint/2010/main" val="2078645722"/>
+      </p:ext>
+    </p:extLst>
+  </p:cSld>
+  <p:clrMapOvr>
+    <a:masterClrMapping/>
+  </p:clrMapOvr>
+</p:sldLayout>
+</file>
+
+<file path=ppt/slideLayouts/slideLayout26.xml><?xml version="1.0" encoding="utf-8"?>
+<p:sldLayout xmlns:a="http://schemas.openxmlformats.org/drawingml/2006/main" xmlns:r="http://schemas.openxmlformats.org/officeDocument/2006/relationships" xmlns:p="http://schemas.openxmlformats.org/presentationml/2006/main" type="picTx" preserve="1">
+  <p:cSld name="Рисунок с подписью">
+    <p:spTree>
+      <p:nvGrpSpPr>
+        <p:cNvPr id="1" name=""/>
+        <p:cNvGrpSpPr/>
+        <p:nvPr/>
+      </p:nvGrpSpPr>
+      <p:grpSpPr>
+        <a:xfrm>
+          <a:off x="0" y="0"/>
+          <a:ext cx="0" cy="0"/>
+          <a:chOff x="0" y="0"/>
+          <a:chExt cx="0" cy="0"/>
+        </a:xfrm>
+      </p:grpSpPr>
+      <p:sp>
+        <p:nvSpPr>
+          <p:cNvPr id="2" name="Заголовок 1">
+            <a:extLst>
+              <a:ext uri="{FF2B5EF4-FFF2-40B4-BE49-F238E27FC236}">
+                <a16:creationId xmlns:a16="http://schemas.microsoft.com/office/drawing/2014/main" id="{EB71B6D4-AD7E-B1E3-3F46-6F63004C9877}"/>
+              </a:ext>
+            </a:extLst>
+          </p:cNvPr>
+          <p:cNvSpPr>
+            <a:spLocks noGrp="1"/>
+          </p:cNvSpPr>
+          <p:nvPr>
+            <p:ph type="title"/>
+          </p:nvPr>
+        </p:nvSpPr>
+        <p:spPr>
+          <a:xfrm>
+            <a:off x="629841" y="457200"/>
+            <a:ext cx="2949178" cy="1600200"/>
+          </a:xfrm>
+        </p:spPr>
+        <p:txBody>
+          <a:bodyPr anchor="b"/>
+          <a:lstStyle>
+            <a:lvl1pPr>
+              <a:defRPr sz="2400"/>
+            </a:lvl1pPr>
+          </a:lstStyle>
+          <a:p>
+            <a:r>
+              <a:rPr lang="ru-RU"/>
+              <a:t>Образец заголовка</a:t>
+            </a:r>
+          </a:p>
+        </p:txBody>
+      </p:sp>
+      <p:sp>
+        <p:nvSpPr>
+          <p:cNvPr id="3" name="Рисунок 2">
+            <a:extLst>
+              <a:ext uri="{FF2B5EF4-FFF2-40B4-BE49-F238E27FC236}">
+                <a16:creationId xmlns:a16="http://schemas.microsoft.com/office/drawing/2014/main" id="{5570A9E4-F1B4-0B96-6E85-505730A3DC56}"/>
+              </a:ext>
+            </a:extLst>
+          </p:cNvPr>
+          <p:cNvSpPr>
+            <a:spLocks noGrp="1"/>
+          </p:cNvSpPr>
+          <p:nvPr>
+            <p:ph type="pic" idx="1"/>
+          </p:nvPr>
+        </p:nvSpPr>
+        <p:spPr>
+          <a:xfrm>
+            <a:off x="3887391" y="987426"/>
+            <a:ext cx="4629150" cy="4873625"/>
+          </a:xfrm>
+        </p:spPr>
+        <p:txBody>
+          <a:bodyPr/>
+          <a:lstStyle>
+            <a:lvl1pPr marL="0" indent="0">
+              <a:buNone/>
+              <a:defRPr sz="2400"/>
+            </a:lvl1pPr>
+            <a:lvl2pPr marL="342900" indent="0">
+              <a:buNone/>
+              <a:defRPr sz="2100"/>
+            </a:lvl2pPr>
+            <a:lvl3pPr marL="685800" indent="0">
+              <a:buNone/>
+              <a:defRPr sz="1800"/>
+            </a:lvl3pPr>
+            <a:lvl4pPr marL="1028700" indent="0">
+              <a:buNone/>
+              <a:defRPr sz="1500"/>
+            </a:lvl4pPr>
+            <a:lvl5pPr marL="1371600" indent="0">
+              <a:buNone/>
+              <a:defRPr sz="1500"/>
+            </a:lvl5pPr>
+            <a:lvl6pPr marL="1714500" indent="0">
+              <a:buNone/>
+              <a:defRPr sz="1500"/>
+            </a:lvl6pPr>
+            <a:lvl7pPr marL="2057400" indent="0">
+              <a:buNone/>
+              <a:defRPr sz="1500"/>
+            </a:lvl7pPr>
+            <a:lvl8pPr marL="2400300" indent="0">
+              <a:buNone/>
+              <a:defRPr sz="1500"/>
+            </a:lvl8pPr>
+            <a:lvl9pPr marL="2743200" indent="0">
+              <a:buNone/>
+              <a:defRPr sz="1500"/>
+            </a:lvl9pPr>
+          </a:lstStyle>
+          <a:p>
+            <a:endParaRPr lang="ru-RU"/>
+          </a:p>
+        </p:txBody>
+      </p:sp>
+      <p:sp>
+        <p:nvSpPr>
+          <p:cNvPr id="4" name="Текст 3">
+            <a:extLst>
+              <a:ext uri="{FF2B5EF4-FFF2-40B4-BE49-F238E27FC236}">
+                <a16:creationId xmlns:a16="http://schemas.microsoft.com/office/drawing/2014/main" id="{E06FD93F-1038-7CA6-DC48-04789C08815E}"/>
+              </a:ext>
+            </a:extLst>
+          </p:cNvPr>
+          <p:cNvSpPr>
+            <a:spLocks noGrp="1"/>
+          </p:cNvSpPr>
+          <p:nvPr>
+            <p:ph type="body" sz="half" idx="2"/>
+          </p:nvPr>
+        </p:nvSpPr>
+        <p:spPr>
+          <a:xfrm>
+            <a:off x="629841" y="2057400"/>
+            <a:ext cx="2949178" cy="3811588"/>
+          </a:xfrm>
+        </p:spPr>
+        <p:txBody>
+          <a:bodyPr/>
+          <a:lstStyle>
+            <a:lvl1pPr marL="0" indent="0">
+              <a:buNone/>
+              <a:defRPr sz="1200"/>
+            </a:lvl1pPr>
+            <a:lvl2pPr marL="342900" indent="0">
+              <a:buNone/>
+              <a:defRPr sz="1050"/>
+            </a:lvl2pPr>
+            <a:lvl3pPr marL="685800" indent="0">
+              <a:buNone/>
+              <a:defRPr sz="900"/>
+            </a:lvl3pPr>
+            <a:lvl4pPr marL="1028700" indent="0">
+              <a:buNone/>
+              <a:defRPr sz="750"/>
+            </a:lvl4pPr>
+            <a:lvl5pPr marL="1371600" indent="0">
+              <a:buNone/>
+              <a:defRPr sz="750"/>
+            </a:lvl5pPr>
+            <a:lvl6pPr marL="1714500" indent="0">
+              <a:buNone/>
+              <a:defRPr sz="750"/>
+            </a:lvl6pPr>
+            <a:lvl7pPr marL="2057400" indent="0">
+              <a:buNone/>
+              <a:defRPr sz="750"/>
+            </a:lvl7pPr>
+            <a:lvl8pPr marL="2400300" indent="0">
+              <a:buNone/>
+              <a:defRPr sz="750"/>
+            </a:lvl8pPr>
+            <a:lvl9pPr marL="2743200" indent="0">
+              <a:buNone/>
+              <a:defRPr sz="750"/>
+            </a:lvl9pPr>
+          </a:lstStyle>
+          <a:p>
+            <a:pPr lvl="0"/>
+            <a:r>
+              <a:rPr lang="ru-RU"/>
+              <a:t>Образец текста</a:t>
+            </a:r>
+          </a:p>
+        </p:txBody>
+      </p:sp>
+      <p:sp>
+        <p:nvSpPr>
+          <p:cNvPr id="5" name="Дата 4">
+            <a:extLst>
+              <a:ext uri="{FF2B5EF4-FFF2-40B4-BE49-F238E27FC236}">
+                <a16:creationId xmlns:a16="http://schemas.microsoft.com/office/drawing/2014/main" id="{1BD5FFED-0ACA-FBC1-F771-A903BB7CFD97}"/>
+              </a:ext>
+            </a:extLst>
+          </p:cNvPr>
+          <p:cNvSpPr>
+            <a:spLocks noGrp="1"/>
+          </p:cNvSpPr>
+          <p:nvPr>
+            <p:ph type="dt" sz="half" idx="10"/>
+          </p:nvPr>
+        </p:nvSpPr>
+        <p:spPr/>
+        <p:txBody>
+          <a:bodyPr/>
+          <a:lstStyle/>
+          <a:p>
+            <a:fld id="{5BCAD085-E8A6-8845-BD4E-CB4CCA059FC4}" type="datetimeFigureOut">
+              <a:rPr lang="en-US" smtClean="0"/>
+              <a:t>6/25/2025</a:t>
+            </a:fld>
+            <a:endParaRPr lang="en-US"/>
+          </a:p>
+        </p:txBody>
+      </p:sp>
+      <p:sp>
+        <p:nvSpPr>
+          <p:cNvPr id="6" name="Нижний колонтитул 5">
+            <a:extLst>
+              <a:ext uri="{FF2B5EF4-FFF2-40B4-BE49-F238E27FC236}">
+                <a16:creationId xmlns:a16="http://schemas.microsoft.com/office/drawing/2014/main" id="{EFCBA9CD-4173-8296-17C3-E79285786C79}"/>
+              </a:ext>
+            </a:extLst>
+          </p:cNvPr>
+          <p:cNvSpPr>
+            <a:spLocks noGrp="1"/>
+          </p:cNvSpPr>
+          <p:nvPr>
+            <p:ph type="ftr" sz="quarter" idx="11"/>
+          </p:nvPr>
+        </p:nvSpPr>
+        <p:spPr/>
+        <p:txBody>
+          <a:bodyPr/>
+          <a:lstStyle/>
+          <a:p>
+            <a:endParaRPr lang="en-US"/>
+          </a:p>
+        </p:txBody>
+      </p:sp>
+      <p:sp>
+        <p:nvSpPr>
+          <p:cNvPr id="7" name="Номер слайда 6">
+            <a:extLst>
+              <a:ext uri="{FF2B5EF4-FFF2-40B4-BE49-F238E27FC236}">
+                <a16:creationId xmlns:a16="http://schemas.microsoft.com/office/drawing/2014/main" id="{B0FA797F-64AE-9D40-5723-109EE5CA8984}"/>
+              </a:ext>
+            </a:extLst>
+          </p:cNvPr>
+          <p:cNvSpPr>
+            <a:spLocks noGrp="1"/>
+          </p:cNvSpPr>
+          <p:nvPr>
+            <p:ph type="sldNum" sz="quarter" idx="12"/>
+          </p:nvPr>
+        </p:nvSpPr>
+        <p:spPr/>
+        <p:txBody>
+          <a:bodyPr/>
+          <a:lstStyle/>
+          <a:p>
+            <a:fld id="{C1FF6DA9-008F-8B48-92A6-B652298478BF}" type="slidenum">
+              <a:rPr lang="en-US" smtClean="0"/>
+              <a:t>‹#›</a:t>
+            </a:fld>
+            <a:endParaRPr lang="en-US"/>
+          </a:p>
+        </p:txBody>
+      </p:sp>
+    </p:spTree>
+    <p:extLst>
+      <p:ext uri="{BB962C8B-B14F-4D97-AF65-F5344CB8AC3E}">
+        <p14:creationId xmlns:p14="http://schemas.microsoft.com/office/powerpoint/2010/main" val="3180127551"/>
+      </p:ext>
+    </p:extLst>
+  </p:cSld>
+  <p:clrMapOvr>
+    <a:masterClrMapping/>
+  </p:clrMapOvr>
+</p:sldLayout>
+</file>
+
+<file path=ppt/slideLayouts/slideLayout27.xml><?xml version="1.0" encoding="utf-8"?>
+<p:sldLayout xmlns:a="http://schemas.openxmlformats.org/drawingml/2006/main" xmlns:r="http://schemas.openxmlformats.org/officeDocument/2006/relationships" xmlns:p="http://schemas.openxmlformats.org/presentationml/2006/main" type="vertTx" preserve="1">
+  <p:cSld name="Заголовок и вертикальный текст">
+    <p:spTree>
+      <p:nvGrpSpPr>
+        <p:cNvPr id="1" name=""/>
+        <p:cNvGrpSpPr/>
+        <p:nvPr/>
+      </p:nvGrpSpPr>
+      <p:grpSpPr>
+        <a:xfrm>
+          <a:off x="0" y="0"/>
+          <a:ext cx="0" cy="0"/>
+          <a:chOff x="0" y="0"/>
+          <a:chExt cx="0" cy="0"/>
+        </a:xfrm>
+      </p:grpSpPr>
+      <p:sp>
+        <p:nvSpPr>
+          <p:cNvPr id="2" name="Заголовок 1">
+            <a:extLst>
+              <a:ext uri="{FF2B5EF4-FFF2-40B4-BE49-F238E27FC236}">
+                <a16:creationId xmlns:a16="http://schemas.microsoft.com/office/drawing/2014/main" id="{0408772C-D61E-C759-9C0A-B5256C953EBD}"/>
+              </a:ext>
+            </a:extLst>
+          </p:cNvPr>
+          <p:cNvSpPr>
+            <a:spLocks noGrp="1"/>
+          </p:cNvSpPr>
+          <p:nvPr>
+            <p:ph type="title"/>
+          </p:nvPr>
+        </p:nvSpPr>
+        <p:spPr/>
+        <p:txBody>
+          <a:bodyPr/>
+          <a:lstStyle/>
+          <a:p>
+            <a:r>
+              <a:rPr lang="ru-RU"/>
+              <a:t>Образец заголовка</a:t>
+            </a:r>
+          </a:p>
+        </p:txBody>
+      </p:sp>
+      <p:sp>
+        <p:nvSpPr>
+          <p:cNvPr id="3" name="Вертикальный текст 2">
+            <a:extLst>
+              <a:ext uri="{FF2B5EF4-FFF2-40B4-BE49-F238E27FC236}">
+                <a16:creationId xmlns:a16="http://schemas.microsoft.com/office/drawing/2014/main" id="{B915AB60-866A-8F3D-8C8F-B02A9B79DE58}"/>
+              </a:ext>
+            </a:extLst>
+          </p:cNvPr>
+          <p:cNvSpPr>
+            <a:spLocks noGrp="1"/>
+          </p:cNvSpPr>
+          <p:nvPr>
+            <p:ph type="body" orient="vert" idx="1"/>
+          </p:nvPr>
+        </p:nvSpPr>
+        <p:spPr/>
+        <p:txBody>
+          <a:bodyPr vert="eaVert"/>
+          <a:lstStyle/>
+          <a:p>
+            <a:pPr lvl="0"/>
+            <a:r>
+              <a:rPr lang="ru-RU"/>
+              <a:t>Образец текста</a:t>
+            </a:r>
+          </a:p>
+          <a:p>
+            <a:pPr lvl="1"/>
+            <a:r>
+              <a:rPr lang="ru-RU"/>
+              <a:t>Второй уровень</a:t>
+            </a:r>
+          </a:p>
+          <a:p>
+            <a:pPr lvl="2"/>
+            <a:r>
+              <a:rPr lang="ru-RU"/>
+              <a:t>Третий уровень</a:t>
+            </a:r>
+          </a:p>
+          <a:p>
+            <a:pPr lvl="3"/>
+            <a:r>
+              <a:rPr lang="ru-RU"/>
+              <a:t>Четвертый уровень</a:t>
+            </a:r>
+          </a:p>
+          <a:p>
+            <a:pPr lvl="4"/>
+            <a:r>
+              <a:rPr lang="ru-RU"/>
+              <a:t>Пятый уровень</a:t>
+            </a:r>
+          </a:p>
+        </p:txBody>
+      </p:sp>
+      <p:sp>
+        <p:nvSpPr>
+          <p:cNvPr id="4" name="Дата 3">
+            <a:extLst>
+              <a:ext uri="{FF2B5EF4-FFF2-40B4-BE49-F238E27FC236}">
+                <a16:creationId xmlns:a16="http://schemas.microsoft.com/office/drawing/2014/main" id="{A2B7F773-B2D5-910F-DEF0-32270567B46E}"/>
+              </a:ext>
+            </a:extLst>
+          </p:cNvPr>
+          <p:cNvSpPr>
+            <a:spLocks noGrp="1"/>
+          </p:cNvSpPr>
+          <p:nvPr>
+            <p:ph type="dt" sz="half" idx="10"/>
+          </p:nvPr>
+        </p:nvSpPr>
+        <p:spPr/>
+        <p:txBody>
+          <a:bodyPr/>
+          <a:lstStyle/>
+          <a:p>
+            <a:fld id="{5BCAD085-E8A6-8845-BD4E-CB4CCA059FC4}" type="datetimeFigureOut">
+              <a:rPr lang="en-US" smtClean="0"/>
+              <a:t>6/25/2025</a:t>
+            </a:fld>
+            <a:endParaRPr lang="en-US"/>
+          </a:p>
+        </p:txBody>
+      </p:sp>
+      <p:sp>
+        <p:nvSpPr>
+          <p:cNvPr id="5" name="Нижний колонтитул 4">
+            <a:extLst>
+              <a:ext uri="{FF2B5EF4-FFF2-40B4-BE49-F238E27FC236}">
+                <a16:creationId xmlns:a16="http://schemas.microsoft.com/office/drawing/2014/main" id="{8D683CB9-2D62-DB0E-33EE-FF1B8EC6499F}"/>
+              </a:ext>
+            </a:extLst>
+          </p:cNvPr>
+          <p:cNvSpPr>
+            <a:spLocks noGrp="1"/>
+          </p:cNvSpPr>
+          <p:nvPr>
+            <p:ph type="ftr" sz="quarter" idx="11"/>
+          </p:nvPr>
+        </p:nvSpPr>
+        <p:spPr/>
+        <p:txBody>
+          <a:bodyPr/>
+          <a:lstStyle/>
+          <a:p>
+            <a:endParaRPr lang="en-US"/>
+          </a:p>
+        </p:txBody>
+      </p:sp>
+      <p:sp>
+        <p:nvSpPr>
+          <p:cNvPr id="6" name="Номер слайда 5">
+            <a:extLst>
+              <a:ext uri="{FF2B5EF4-FFF2-40B4-BE49-F238E27FC236}">
+                <a16:creationId xmlns:a16="http://schemas.microsoft.com/office/drawing/2014/main" id="{D4EB2138-17FC-98F9-F27B-06F20021B89E}"/>
+              </a:ext>
+            </a:extLst>
+          </p:cNvPr>
+          <p:cNvSpPr>
+            <a:spLocks noGrp="1"/>
+          </p:cNvSpPr>
+          <p:nvPr>
+            <p:ph type="sldNum" sz="quarter" idx="12"/>
+          </p:nvPr>
+        </p:nvSpPr>
+        <p:spPr/>
+        <p:txBody>
+          <a:bodyPr/>
+          <a:lstStyle/>
+          <a:p>
+            <a:fld id="{C1FF6DA9-008F-8B48-92A6-B652298478BF}" type="slidenum">
+              <a:rPr lang="en-US" smtClean="0"/>
+              <a:t>‹#›</a:t>
+            </a:fld>
+            <a:endParaRPr lang="en-US"/>
+          </a:p>
+        </p:txBody>
+      </p:sp>
+    </p:spTree>
+    <p:extLst>
+      <p:ext uri="{BB962C8B-B14F-4D97-AF65-F5344CB8AC3E}">
+        <p14:creationId xmlns:p14="http://schemas.microsoft.com/office/powerpoint/2010/main" val="3323682308"/>
+      </p:ext>
+    </p:extLst>
+  </p:cSld>
+  <p:clrMapOvr>
+    <a:masterClrMapping/>
+  </p:clrMapOvr>
+</p:sldLayout>
+</file>
+
+<file path=ppt/slideLayouts/slideLayout28.xml><?xml version="1.0" encoding="utf-8"?>
+<p:sldLayout xmlns:a="http://schemas.openxmlformats.org/drawingml/2006/main" xmlns:r="http://schemas.openxmlformats.org/officeDocument/2006/relationships" xmlns:p="http://schemas.openxmlformats.org/presentationml/2006/main" type="vertTitleAndTx" preserve="1">
+  <p:cSld name="Вертикальный заголовок и текст">
+    <p:spTree>
+      <p:nvGrpSpPr>
+        <p:cNvPr id="1" name=""/>
+        <p:cNvGrpSpPr/>
+        <p:nvPr/>
+      </p:nvGrpSpPr>
+      <p:grpSpPr>
+        <a:xfrm>
+          <a:off x="0" y="0"/>
+          <a:ext cx="0" cy="0"/>
+          <a:chOff x="0" y="0"/>
+          <a:chExt cx="0" cy="0"/>
+        </a:xfrm>
+      </p:grpSpPr>
+      <p:sp>
+        <p:nvSpPr>
+          <p:cNvPr id="2" name="Вертикальный заголовок 1">
+            <a:extLst>
+              <a:ext uri="{FF2B5EF4-FFF2-40B4-BE49-F238E27FC236}">
+                <a16:creationId xmlns:a16="http://schemas.microsoft.com/office/drawing/2014/main" id="{C2AB4F14-6C35-4AE2-D68E-012E74180ECE}"/>
+              </a:ext>
+            </a:extLst>
+          </p:cNvPr>
+          <p:cNvSpPr>
+            <a:spLocks noGrp="1"/>
+          </p:cNvSpPr>
+          <p:nvPr>
+            <p:ph type="title" orient="vert"/>
+          </p:nvPr>
+        </p:nvSpPr>
+        <p:spPr>
+          <a:xfrm>
+            <a:off x="6543675" y="365125"/>
+            <a:ext cx="1971675" cy="5811838"/>
+          </a:xfrm>
+        </p:spPr>
+        <p:txBody>
+          <a:bodyPr vert="eaVert"/>
+          <a:lstStyle/>
+          <a:p>
+            <a:r>
+              <a:rPr lang="ru-RU"/>
+              <a:t>Образец заголовка</a:t>
+            </a:r>
+          </a:p>
+        </p:txBody>
+      </p:sp>
+      <p:sp>
+        <p:nvSpPr>
+          <p:cNvPr id="3" name="Вертикальный текст 2">
+            <a:extLst>
+              <a:ext uri="{FF2B5EF4-FFF2-40B4-BE49-F238E27FC236}">
+                <a16:creationId xmlns:a16="http://schemas.microsoft.com/office/drawing/2014/main" id="{8A7276CF-CF30-DDA0-9AC2-D6F372A9DBD1}"/>
+              </a:ext>
+            </a:extLst>
+          </p:cNvPr>
+          <p:cNvSpPr>
+            <a:spLocks noGrp="1"/>
+          </p:cNvSpPr>
+          <p:nvPr>
+            <p:ph type="body" orient="vert" idx="1"/>
+          </p:nvPr>
+        </p:nvSpPr>
+        <p:spPr>
+          <a:xfrm>
+            <a:off x="628650" y="365125"/>
+            <a:ext cx="5800725" cy="5811838"/>
+          </a:xfrm>
+        </p:spPr>
+        <p:txBody>
+          <a:bodyPr vert="eaVert"/>
+          <a:lstStyle/>
+          <a:p>
+            <a:pPr lvl="0"/>
+            <a:r>
+              <a:rPr lang="ru-RU"/>
+              <a:t>Образец текста</a:t>
+            </a:r>
+          </a:p>
+          <a:p>
+            <a:pPr lvl="1"/>
+            <a:r>
+              <a:rPr lang="ru-RU"/>
+              <a:t>Второй уровень</a:t>
+            </a:r>
+          </a:p>
+          <a:p>
+            <a:pPr lvl="2"/>
+            <a:r>
+              <a:rPr lang="ru-RU"/>
+              <a:t>Третий уровень</a:t>
+            </a:r>
+          </a:p>
+          <a:p>
+            <a:pPr lvl="3"/>
+            <a:r>
+              <a:rPr lang="ru-RU"/>
+              <a:t>Четвертый уровень</a:t>
+            </a:r>
+          </a:p>
+          <a:p>
+            <a:pPr lvl="4"/>
+            <a:r>
+              <a:rPr lang="ru-RU"/>
+              <a:t>Пятый уровень</a:t>
+            </a:r>
+          </a:p>
+        </p:txBody>
+      </p:sp>
+      <p:sp>
+        <p:nvSpPr>
+          <p:cNvPr id="4" name="Дата 3">
+            <a:extLst>
+              <a:ext uri="{FF2B5EF4-FFF2-40B4-BE49-F238E27FC236}">
+                <a16:creationId xmlns:a16="http://schemas.microsoft.com/office/drawing/2014/main" id="{8BA4269E-72D0-9DB5-2B5F-E8F5DDE4881E}"/>
+              </a:ext>
+            </a:extLst>
+          </p:cNvPr>
+          <p:cNvSpPr>
+            <a:spLocks noGrp="1"/>
+          </p:cNvSpPr>
+          <p:nvPr>
+            <p:ph type="dt" sz="half" idx="10"/>
+          </p:nvPr>
+        </p:nvSpPr>
+        <p:spPr/>
+        <p:txBody>
+          <a:bodyPr/>
+          <a:lstStyle/>
+          <a:p>
+            <a:fld id="{5BCAD085-E8A6-8845-BD4E-CB4CCA059FC4}" type="datetimeFigureOut">
+              <a:rPr lang="en-US" smtClean="0"/>
+              <a:t>6/25/2025</a:t>
+            </a:fld>
+            <a:endParaRPr lang="en-US"/>
+          </a:p>
+        </p:txBody>
+      </p:sp>
+      <p:sp>
+        <p:nvSpPr>
+          <p:cNvPr id="5" name="Нижний колонтитул 4">
+            <a:extLst>
+              <a:ext uri="{FF2B5EF4-FFF2-40B4-BE49-F238E27FC236}">
+                <a16:creationId xmlns:a16="http://schemas.microsoft.com/office/drawing/2014/main" id="{0A9432B6-EACA-84B2-DAA1-94B2FCE6B134}"/>
+              </a:ext>
+            </a:extLst>
+          </p:cNvPr>
+          <p:cNvSpPr>
+            <a:spLocks noGrp="1"/>
+          </p:cNvSpPr>
+          <p:nvPr>
+            <p:ph type="ftr" sz="quarter" idx="11"/>
+          </p:nvPr>
+        </p:nvSpPr>
+        <p:spPr/>
+        <p:txBody>
+          <a:bodyPr/>
+          <a:lstStyle/>
+          <a:p>
+            <a:endParaRPr lang="en-US"/>
+          </a:p>
+        </p:txBody>
+      </p:sp>
+      <p:sp>
+        <p:nvSpPr>
+          <p:cNvPr id="6" name="Номер слайда 5">
+            <a:extLst>
+              <a:ext uri="{FF2B5EF4-FFF2-40B4-BE49-F238E27FC236}">
+                <a16:creationId xmlns:a16="http://schemas.microsoft.com/office/drawing/2014/main" id="{11CA505B-05EE-ADE5-25AF-D926F6C46609}"/>
+              </a:ext>
+            </a:extLst>
+          </p:cNvPr>
+          <p:cNvSpPr>
+            <a:spLocks noGrp="1"/>
+          </p:cNvSpPr>
+          <p:nvPr>
+            <p:ph type="sldNum" sz="quarter" idx="12"/>
+          </p:nvPr>
+        </p:nvSpPr>
+        <p:spPr/>
+        <p:txBody>
+          <a:bodyPr/>
+          <a:lstStyle/>
+          <a:p>
+            <a:fld id="{C1FF6DA9-008F-8B48-92A6-B652298478BF}" type="slidenum">
+              <a:rPr lang="en-US" smtClean="0"/>
+              <a:t>‹#›</a:t>
+            </a:fld>
+            <a:endParaRPr lang="en-US"/>
+          </a:p>
+        </p:txBody>
+      </p:sp>
+    </p:spTree>
+    <p:extLst>
+      <p:ext uri="{BB962C8B-B14F-4D97-AF65-F5344CB8AC3E}">
+        <p14:creationId xmlns:p14="http://schemas.microsoft.com/office/powerpoint/2010/main" val="1205681600"/>
       </p:ext>
     </p:extLst>
   </p:cSld>
@@ -3549,7 +6179,7 @@
     </p:spTree>
     <p:extLst>
       <p:ext uri="{BB962C8B-B14F-4D97-AF65-F5344CB8AC3E}">
-        <p14:creationId xmlns:p14="http://schemas.microsoft.com/office/powerpoint/2010/main" val="2565296818"/>
+        <p14:creationId xmlns:p14="http://schemas.microsoft.com/office/powerpoint/2010/main" val="2787593564"/>
       </p:ext>
     </p:extLst>
   </p:cSld>
@@ -3821,7 +6451,7 @@
     </p:spTree>
     <p:extLst>
       <p:ext uri="{BB962C8B-B14F-4D97-AF65-F5344CB8AC3E}">
-        <p14:creationId xmlns:p14="http://schemas.microsoft.com/office/powerpoint/2010/main" val="1002669033"/>
+        <p14:creationId xmlns:p14="http://schemas.microsoft.com/office/powerpoint/2010/main" val="2610531932"/>
       </p:ext>
     </p:extLst>
   </p:cSld>
@@ -4234,7 +6864,7 @@
     </p:spTree>
     <p:extLst>
       <p:ext uri="{BB962C8B-B14F-4D97-AF65-F5344CB8AC3E}">
-        <p14:creationId xmlns:p14="http://schemas.microsoft.com/office/powerpoint/2010/main" val="315546084"/>
+        <p14:creationId xmlns:p14="http://schemas.microsoft.com/office/powerpoint/2010/main" val="3546789664"/>
       </p:ext>
     </p:extLst>
   </p:cSld>
@@ -4388,7 +7018,7 @@
     </p:spTree>
     <p:extLst>
       <p:ext uri="{BB962C8B-B14F-4D97-AF65-F5344CB8AC3E}">
-        <p14:creationId xmlns:p14="http://schemas.microsoft.com/office/powerpoint/2010/main" val="3001635562"/>
+        <p14:creationId xmlns:p14="http://schemas.microsoft.com/office/powerpoint/2010/main" val="993719067"/>
       </p:ext>
     </p:extLst>
   </p:cSld>
@@ -4483,7 +7113,7 @@
     </p:spTree>
     <p:extLst>
       <p:ext uri="{BB962C8B-B14F-4D97-AF65-F5344CB8AC3E}">
-        <p14:creationId xmlns:p14="http://schemas.microsoft.com/office/powerpoint/2010/main" val="3794205283"/>
+        <p14:creationId xmlns:p14="http://schemas.microsoft.com/office/powerpoint/2010/main" val="4186042022"/>
       </p:ext>
     </p:extLst>
   </p:cSld>
@@ -4769,7 +7399,7 @@
     </p:spTree>
     <p:extLst>
       <p:ext uri="{BB962C8B-B14F-4D97-AF65-F5344CB8AC3E}">
-        <p14:creationId xmlns:p14="http://schemas.microsoft.com/office/powerpoint/2010/main" val="3612771090"/>
+        <p14:creationId xmlns:p14="http://schemas.microsoft.com/office/powerpoint/2010/main" val="3820021554"/>
       </p:ext>
     </p:extLst>
   </p:cSld>
@@ -5052,7 +7682,7 @@
     </p:spTree>
     <p:extLst>
       <p:ext uri="{BB962C8B-B14F-4D97-AF65-F5344CB8AC3E}">
-        <p14:creationId xmlns:p14="http://schemas.microsoft.com/office/powerpoint/2010/main" val="3381640511"/>
+        <p14:creationId xmlns:p14="http://schemas.microsoft.com/office/powerpoint/2010/main" val="1598711098"/>
       </p:ext>
     </p:extLst>
   </p:cSld>
@@ -5439,29 +8069,29 @@
     </p:spTree>
     <p:extLst>
       <p:ext uri="{BB962C8B-B14F-4D97-AF65-F5344CB8AC3E}">
-        <p14:creationId xmlns:p14="http://schemas.microsoft.com/office/powerpoint/2010/main" val="3048428891"/>
+        <p14:creationId xmlns:p14="http://schemas.microsoft.com/office/powerpoint/2010/main" val="2550215387"/>
       </p:ext>
     </p:extLst>
   </p:cSld>
   <p:clrMap bg1="lt1" tx1="dk1" bg2="lt2" tx2="dk2" accent1="accent1" accent2="accent2" accent3="accent3" accent4="accent4" accent5="accent5" accent6="accent6" hlink="hlink" folHlink="folHlink"/>
   <p:sldLayoutIdLst>
-    <p:sldLayoutId id="2147483661" r:id="rId1"/>
-    <p:sldLayoutId id="2147483662" r:id="rId2"/>
-    <p:sldLayoutId id="2147483663" r:id="rId3"/>
-    <p:sldLayoutId id="2147483664" r:id="rId4"/>
-    <p:sldLayoutId id="2147483665" r:id="rId5"/>
-    <p:sldLayoutId id="2147483666" r:id="rId6"/>
-    <p:sldLayoutId id="2147483667" r:id="rId7"/>
-    <p:sldLayoutId id="2147483668" r:id="rId8"/>
-    <p:sldLayoutId id="2147483669" r:id="rId9"/>
-    <p:sldLayoutId id="2147483670" r:id="rId10"/>
-    <p:sldLayoutId id="2147483671" r:id="rId11"/>
-    <p:sldLayoutId id="2147483672" r:id="rId12"/>
-    <p:sldLayoutId id="2147483673" r:id="rId13"/>
-    <p:sldLayoutId id="2147483674" r:id="rId14"/>
-    <p:sldLayoutId id="2147483675" r:id="rId15"/>
-    <p:sldLayoutId id="2147483676" r:id="rId16"/>
-    <p:sldLayoutId id="2147483677" r:id="rId17"/>
+    <p:sldLayoutId id="2147483691" r:id="rId1"/>
+    <p:sldLayoutId id="2147483692" r:id="rId2"/>
+    <p:sldLayoutId id="2147483693" r:id="rId3"/>
+    <p:sldLayoutId id="2147483694" r:id="rId4"/>
+    <p:sldLayoutId id="2147483695" r:id="rId5"/>
+    <p:sldLayoutId id="2147483696" r:id="rId6"/>
+    <p:sldLayoutId id="2147483697" r:id="rId7"/>
+    <p:sldLayoutId id="2147483698" r:id="rId8"/>
+    <p:sldLayoutId id="2147483699" r:id="rId9"/>
+    <p:sldLayoutId id="2147483700" r:id="rId10"/>
+    <p:sldLayoutId id="2147483701" r:id="rId11"/>
+    <p:sldLayoutId id="2147483702" r:id="rId12"/>
+    <p:sldLayoutId id="2147483703" r:id="rId13"/>
+    <p:sldLayoutId id="2147483704" r:id="rId14"/>
+    <p:sldLayoutId id="2147483705" r:id="rId15"/>
+    <p:sldLayoutId id="2147483706" r:id="rId16"/>
+    <p:sldLayoutId id="2147483707" r:id="rId17"/>
   </p:sldLayoutIdLst>
   <p:txStyles>
     <p:titleStyle>
@@ -5878,6 +8508,574 @@
 </p:sldMaster>
 </file>
 
+<file path=ppt/slideMasters/slideMaster2.xml><?xml version="1.0" encoding="utf-8"?>
+<p:sldMaster xmlns:a="http://schemas.openxmlformats.org/drawingml/2006/main" xmlns:r="http://schemas.openxmlformats.org/officeDocument/2006/relationships" xmlns:p="http://schemas.openxmlformats.org/presentationml/2006/main">
+  <p:cSld>
+    <p:bg>
+      <p:bgRef idx="1001">
+        <a:schemeClr val="bg1"/>
+      </p:bgRef>
+    </p:bg>
+    <p:spTree>
+      <p:nvGrpSpPr>
+        <p:cNvPr id="1" name=""/>
+        <p:cNvGrpSpPr/>
+        <p:nvPr/>
+      </p:nvGrpSpPr>
+      <p:grpSpPr>
+        <a:xfrm>
+          <a:off x="0" y="0"/>
+          <a:ext cx="0" cy="0"/>
+          <a:chOff x="0" y="0"/>
+          <a:chExt cx="0" cy="0"/>
+        </a:xfrm>
+      </p:grpSpPr>
+      <p:sp>
+        <p:nvSpPr>
+          <p:cNvPr id="2" name="Заголовок 1">
+            <a:extLst>
+              <a:ext uri="{FF2B5EF4-FFF2-40B4-BE49-F238E27FC236}">
+                <a16:creationId xmlns:a16="http://schemas.microsoft.com/office/drawing/2014/main" id="{53E4F00C-E3D1-F4E4-4BEF-D5FF87C88EE7}"/>
+              </a:ext>
+            </a:extLst>
+          </p:cNvPr>
+          <p:cNvSpPr>
+            <a:spLocks noGrp="1"/>
+          </p:cNvSpPr>
+          <p:nvPr>
+            <p:ph type="title"/>
+          </p:nvPr>
+        </p:nvSpPr>
+        <p:spPr>
+          <a:xfrm>
+            <a:off x="628650" y="365126"/>
+            <a:ext cx="7886700" cy="1325563"/>
+          </a:xfrm>
+          <a:prstGeom prst="rect">
+            <a:avLst/>
+          </a:prstGeom>
+        </p:spPr>
+        <p:txBody>
+          <a:bodyPr vert="horz" lIns="91440" tIns="45720" rIns="91440" bIns="45720" rtlCol="0" anchor="ctr">
+            <a:normAutofit/>
+          </a:bodyPr>
+          <a:lstStyle/>
+          <a:p>
+            <a:r>
+              <a:rPr lang="ru-RU"/>
+              <a:t>Образец заголовка</a:t>
+            </a:r>
+          </a:p>
+        </p:txBody>
+      </p:sp>
+      <p:sp>
+        <p:nvSpPr>
+          <p:cNvPr id="3" name="Текст 2">
+            <a:extLst>
+              <a:ext uri="{FF2B5EF4-FFF2-40B4-BE49-F238E27FC236}">
+                <a16:creationId xmlns:a16="http://schemas.microsoft.com/office/drawing/2014/main" id="{4FC1876E-DA16-2CE1-9623-D3F23D7E9A7B}"/>
+              </a:ext>
+            </a:extLst>
+          </p:cNvPr>
+          <p:cNvSpPr>
+            <a:spLocks noGrp="1"/>
+          </p:cNvSpPr>
+          <p:nvPr>
+            <p:ph type="body" idx="1"/>
+          </p:nvPr>
+        </p:nvSpPr>
+        <p:spPr>
+          <a:xfrm>
+            <a:off x="628650" y="1825625"/>
+            <a:ext cx="7886700" cy="4351338"/>
+          </a:xfrm>
+          <a:prstGeom prst="rect">
+            <a:avLst/>
+          </a:prstGeom>
+        </p:spPr>
+        <p:txBody>
+          <a:bodyPr vert="horz" lIns="91440" tIns="45720" rIns="91440" bIns="45720" rtlCol="0">
+            <a:normAutofit/>
+          </a:bodyPr>
+          <a:lstStyle/>
+          <a:p>
+            <a:pPr lvl="0"/>
+            <a:r>
+              <a:rPr lang="ru-RU"/>
+              <a:t>Образец текста</a:t>
+            </a:r>
+          </a:p>
+          <a:p>
+            <a:pPr lvl="1"/>
+            <a:r>
+              <a:rPr lang="ru-RU"/>
+              <a:t>Второй уровень</a:t>
+            </a:r>
+          </a:p>
+          <a:p>
+            <a:pPr lvl="2"/>
+            <a:r>
+              <a:rPr lang="ru-RU"/>
+              <a:t>Третий уровень</a:t>
+            </a:r>
+          </a:p>
+          <a:p>
+            <a:pPr lvl="3"/>
+            <a:r>
+              <a:rPr lang="ru-RU"/>
+              <a:t>Четвертый уровень</a:t>
+            </a:r>
+          </a:p>
+          <a:p>
+            <a:pPr lvl="4"/>
+            <a:r>
+              <a:rPr lang="ru-RU"/>
+              <a:t>Пятый уровень</a:t>
+            </a:r>
+          </a:p>
+        </p:txBody>
+      </p:sp>
+      <p:sp>
+        <p:nvSpPr>
+          <p:cNvPr id="4" name="Дата 3">
+            <a:extLst>
+              <a:ext uri="{FF2B5EF4-FFF2-40B4-BE49-F238E27FC236}">
+                <a16:creationId xmlns:a16="http://schemas.microsoft.com/office/drawing/2014/main" id="{D9BAE967-AD21-6FDF-798B-3798A4037413}"/>
+              </a:ext>
+            </a:extLst>
+          </p:cNvPr>
+          <p:cNvSpPr>
+            <a:spLocks noGrp="1"/>
+          </p:cNvSpPr>
+          <p:nvPr>
+            <p:ph type="dt" sz="half" idx="2"/>
+          </p:nvPr>
+        </p:nvSpPr>
+        <p:spPr>
+          <a:xfrm>
+            <a:off x="628650" y="6356351"/>
+            <a:ext cx="2057400" cy="365125"/>
+          </a:xfrm>
+          <a:prstGeom prst="rect">
+            <a:avLst/>
+          </a:prstGeom>
+        </p:spPr>
+        <p:txBody>
+          <a:bodyPr vert="horz" lIns="91440" tIns="45720" rIns="91440" bIns="45720" rtlCol="0" anchor="ctr"/>
+          <a:lstStyle>
+            <a:lvl1pPr algn="l">
+              <a:defRPr sz="900">
+                <a:solidFill>
+                  <a:schemeClr val="tx1">
+                    <a:tint val="82000"/>
+                  </a:schemeClr>
+                </a:solidFill>
+              </a:defRPr>
+            </a:lvl1pPr>
+          </a:lstStyle>
+          <a:p>
+            <a:fld id="{5BCAD085-E8A6-8845-BD4E-CB4CCA059FC4}" type="datetimeFigureOut">
+              <a:rPr lang="en-US" smtClean="0"/>
+              <a:t>6/25/2025</a:t>
+            </a:fld>
+            <a:endParaRPr lang="en-US"/>
+          </a:p>
+        </p:txBody>
+      </p:sp>
+      <p:sp>
+        <p:nvSpPr>
+          <p:cNvPr id="5" name="Нижний колонтитул 4">
+            <a:extLst>
+              <a:ext uri="{FF2B5EF4-FFF2-40B4-BE49-F238E27FC236}">
+                <a16:creationId xmlns:a16="http://schemas.microsoft.com/office/drawing/2014/main" id="{37267418-D7AF-227C-FB13-FBEF337F4C78}"/>
+              </a:ext>
+            </a:extLst>
+          </p:cNvPr>
+          <p:cNvSpPr>
+            <a:spLocks noGrp="1"/>
+          </p:cNvSpPr>
+          <p:nvPr>
+            <p:ph type="ftr" sz="quarter" idx="3"/>
+          </p:nvPr>
+        </p:nvSpPr>
+        <p:spPr>
+          <a:xfrm>
+            <a:off x="3028950" y="6356351"/>
+            <a:ext cx="3086100" cy="365125"/>
+          </a:xfrm>
+          <a:prstGeom prst="rect">
+            <a:avLst/>
+          </a:prstGeom>
+        </p:spPr>
+        <p:txBody>
+          <a:bodyPr vert="horz" lIns="91440" tIns="45720" rIns="91440" bIns="45720" rtlCol="0" anchor="ctr"/>
+          <a:lstStyle>
+            <a:lvl1pPr algn="ctr">
+              <a:defRPr sz="900">
+                <a:solidFill>
+                  <a:schemeClr val="tx1">
+                    <a:tint val="82000"/>
+                  </a:schemeClr>
+                </a:solidFill>
+              </a:defRPr>
+            </a:lvl1pPr>
+          </a:lstStyle>
+          <a:p>
+            <a:endParaRPr lang="en-US"/>
+          </a:p>
+        </p:txBody>
+      </p:sp>
+      <p:sp>
+        <p:nvSpPr>
+          <p:cNvPr id="6" name="Номер слайда 5">
+            <a:extLst>
+              <a:ext uri="{FF2B5EF4-FFF2-40B4-BE49-F238E27FC236}">
+                <a16:creationId xmlns:a16="http://schemas.microsoft.com/office/drawing/2014/main" id="{BDFB7A8B-F340-FA40-3230-A0A29DFAF329}"/>
+              </a:ext>
+            </a:extLst>
+          </p:cNvPr>
+          <p:cNvSpPr>
+            <a:spLocks noGrp="1"/>
+          </p:cNvSpPr>
+          <p:nvPr>
+            <p:ph type="sldNum" sz="quarter" idx="4"/>
+          </p:nvPr>
+        </p:nvSpPr>
+        <p:spPr>
+          <a:xfrm>
+            <a:off x="6457950" y="6356351"/>
+            <a:ext cx="2057400" cy="365125"/>
+          </a:xfrm>
+          <a:prstGeom prst="rect">
+            <a:avLst/>
+          </a:prstGeom>
+        </p:spPr>
+        <p:txBody>
+          <a:bodyPr vert="horz" lIns="91440" tIns="45720" rIns="91440" bIns="45720" rtlCol="0" anchor="ctr"/>
+          <a:lstStyle>
+            <a:lvl1pPr algn="r">
+              <a:defRPr sz="900">
+                <a:solidFill>
+                  <a:schemeClr val="tx1">
+                    <a:tint val="82000"/>
+                  </a:schemeClr>
+                </a:solidFill>
+              </a:defRPr>
+            </a:lvl1pPr>
+          </a:lstStyle>
+          <a:p>
+            <a:fld id="{C1FF6DA9-008F-8B48-92A6-B652298478BF}" type="slidenum">
+              <a:rPr lang="en-US" smtClean="0"/>
+              <a:t>‹#›</a:t>
+            </a:fld>
+            <a:endParaRPr lang="en-US"/>
+          </a:p>
+        </p:txBody>
+      </p:sp>
+    </p:spTree>
+    <p:extLst>
+      <p:ext uri="{BB962C8B-B14F-4D97-AF65-F5344CB8AC3E}">
+        <p14:creationId xmlns:p14="http://schemas.microsoft.com/office/powerpoint/2010/main" val="2715054748"/>
+      </p:ext>
+    </p:extLst>
+  </p:cSld>
+  <p:clrMap bg1="lt1" tx1="dk1" bg2="lt2" tx2="dk2" accent1="accent1" accent2="accent2" accent3="accent3" accent4="accent4" accent5="accent5" accent6="accent6" hlink="hlink" folHlink="folHlink"/>
+  <p:sldLayoutIdLst>
+    <p:sldLayoutId id="2147483709" r:id="rId1"/>
+    <p:sldLayoutId id="2147483710" r:id="rId2"/>
+    <p:sldLayoutId id="2147483711" r:id="rId3"/>
+    <p:sldLayoutId id="2147483712" r:id="rId4"/>
+    <p:sldLayoutId id="2147483713" r:id="rId5"/>
+    <p:sldLayoutId id="2147483714" r:id="rId6"/>
+    <p:sldLayoutId id="2147483715" r:id="rId7"/>
+    <p:sldLayoutId id="2147483716" r:id="rId8"/>
+    <p:sldLayoutId id="2147483717" r:id="rId9"/>
+    <p:sldLayoutId id="2147483718" r:id="rId10"/>
+    <p:sldLayoutId id="2147483719" r:id="rId11"/>
+  </p:sldLayoutIdLst>
+  <p:txStyles>
+    <p:titleStyle>
+      <a:lvl1pPr algn="l" defTabSz="685800" rtl="0" eaLnBrk="1" latinLnBrk="0" hangingPunct="1">
+        <a:lnSpc>
+          <a:spcPct val="90000"/>
+        </a:lnSpc>
+        <a:spcBef>
+          <a:spcPct val="0"/>
+        </a:spcBef>
+        <a:buNone/>
+        <a:defRPr sz="3300" kern="1200">
+          <a:solidFill>
+            <a:schemeClr val="tx1"/>
+          </a:solidFill>
+          <a:latin typeface="+mj-lt"/>
+          <a:ea typeface="+mj-ea"/>
+          <a:cs typeface="+mj-cs"/>
+        </a:defRPr>
+      </a:lvl1pPr>
+    </p:titleStyle>
+    <p:bodyStyle>
+      <a:lvl1pPr marL="171450" indent="-171450" algn="l" defTabSz="685800" rtl="0" eaLnBrk="1" latinLnBrk="0" hangingPunct="1">
+        <a:lnSpc>
+          <a:spcPct val="90000"/>
+        </a:lnSpc>
+        <a:spcBef>
+          <a:spcPts val="750"/>
+        </a:spcBef>
+        <a:buFont typeface="Arial" panose="020B0604020202020204" pitchFamily="34" charset="0"/>
+        <a:buChar char="•"/>
+        <a:defRPr sz="2100" kern="1200">
+          <a:solidFill>
+            <a:schemeClr val="tx1"/>
+          </a:solidFill>
+          <a:latin typeface="+mn-lt"/>
+          <a:ea typeface="+mn-ea"/>
+          <a:cs typeface="+mn-cs"/>
+        </a:defRPr>
+      </a:lvl1pPr>
+      <a:lvl2pPr marL="514350" indent="-171450" algn="l" defTabSz="685800" rtl="0" eaLnBrk="1" latinLnBrk="0" hangingPunct="1">
+        <a:lnSpc>
+          <a:spcPct val="90000"/>
+        </a:lnSpc>
+        <a:spcBef>
+          <a:spcPts val="375"/>
+        </a:spcBef>
+        <a:buFont typeface="Arial" panose="020B0604020202020204" pitchFamily="34" charset="0"/>
+        <a:buChar char="•"/>
+        <a:defRPr sz="1800" kern="1200">
+          <a:solidFill>
+            <a:schemeClr val="tx1"/>
+          </a:solidFill>
+          <a:latin typeface="+mn-lt"/>
+          <a:ea typeface="+mn-ea"/>
+          <a:cs typeface="+mn-cs"/>
+        </a:defRPr>
+      </a:lvl2pPr>
+      <a:lvl3pPr marL="857250" indent="-171450" algn="l" defTabSz="685800" rtl="0" eaLnBrk="1" latinLnBrk="0" hangingPunct="1">
+        <a:lnSpc>
+          <a:spcPct val="90000"/>
+        </a:lnSpc>
+        <a:spcBef>
+          <a:spcPts val="375"/>
+        </a:spcBef>
+        <a:buFont typeface="Arial" panose="020B0604020202020204" pitchFamily="34" charset="0"/>
+        <a:buChar char="•"/>
+        <a:defRPr sz="1500" kern="1200">
+          <a:solidFill>
+            <a:schemeClr val="tx1"/>
+          </a:solidFill>
+          <a:latin typeface="+mn-lt"/>
+          <a:ea typeface="+mn-ea"/>
+          <a:cs typeface="+mn-cs"/>
+        </a:defRPr>
+      </a:lvl3pPr>
+      <a:lvl4pPr marL="1200150" indent="-171450" algn="l" defTabSz="685800" rtl="0" eaLnBrk="1" latinLnBrk="0" hangingPunct="1">
+        <a:lnSpc>
+          <a:spcPct val="90000"/>
+        </a:lnSpc>
+        <a:spcBef>
+          <a:spcPts val="375"/>
+        </a:spcBef>
+        <a:buFont typeface="Arial" panose="020B0604020202020204" pitchFamily="34" charset="0"/>
+        <a:buChar char="•"/>
+        <a:defRPr sz="1350" kern="1200">
+          <a:solidFill>
+            <a:schemeClr val="tx1"/>
+          </a:solidFill>
+          <a:latin typeface="+mn-lt"/>
+          <a:ea typeface="+mn-ea"/>
+          <a:cs typeface="+mn-cs"/>
+        </a:defRPr>
+      </a:lvl4pPr>
+      <a:lvl5pPr marL="1543050" indent="-171450" algn="l" defTabSz="685800" rtl="0" eaLnBrk="1" latinLnBrk="0" hangingPunct="1">
+        <a:lnSpc>
+          <a:spcPct val="90000"/>
+        </a:lnSpc>
+        <a:spcBef>
+          <a:spcPts val="375"/>
+        </a:spcBef>
+        <a:buFont typeface="Arial" panose="020B0604020202020204" pitchFamily="34" charset="0"/>
+        <a:buChar char="•"/>
+        <a:defRPr sz="1350" kern="1200">
+          <a:solidFill>
+            <a:schemeClr val="tx1"/>
+          </a:solidFill>
+          <a:latin typeface="+mn-lt"/>
+          <a:ea typeface="+mn-ea"/>
+          <a:cs typeface="+mn-cs"/>
+        </a:defRPr>
+      </a:lvl5pPr>
+      <a:lvl6pPr marL="1885950" indent="-171450" algn="l" defTabSz="685800" rtl="0" eaLnBrk="1" latinLnBrk="0" hangingPunct="1">
+        <a:lnSpc>
+          <a:spcPct val="90000"/>
+        </a:lnSpc>
+        <a:spcBef>
+          <a:spcPts val="375"/>
+        </a:spcBef>
+        <a:buFont typeface="Arial" panose="020B0604020202020204" pitchFamily="34" charset="0"/>
+        <a:buChar char="•"/>
+        <a:defRPr sz="1350" kern="1200">
+          <a:solidFill>
+            <a:schemeClr val="tx1"/>
+          </a:solidFill>
+          <a:latin typeface="+mn-lt"/>
+          <a:ea typeface="+mn-ea"/>
+          <a:cs typeface="+mn-cs"/>
+        </a:defRPr>
+      </a:lvl6pPr>
+      <a:lvl7pPr marL="2228850" indent="-171450" algn="l" defTabSz="685800" rtl="0" eaLnBrk="1" latinLnBrk="0" hangingPunct="1">
+        <a:lnSpc>
+          <a:spcPct val="90000"/>
+        </a:lnSpc>
+        <a:spcBef>
+          <a:spcPts val="375"/>
+        </a:spcBef>
+        <a:buFont typeface="Arial" panose="020B0604020202020204" pitchFamily="34" charset="0"/>
+        <a:buChar char="•"/>
+        <a:defRPr sz="1350" kern="1200">
+          <a:solidFill>
+            <a:schemeClr val="tx1"/>
+          </a:solidFill>
+          <a:latin typeface="+mn-lt"/>
+          <a:ea typeface="+mn-ea"/>
+          <a:cs typeface="+mn-cs"/>
+        </a:defRPr>
+      </a:lvl7pPr>
+      <a:lvl8pPr marL="2571750" indent="-171450" algn="l" defTabSz="685800" rtl="0" eaLnBrk="1" latinLnBrk="0" hangingPunct="1">
+        <a:lnSpc>
+          <a:spcPct val="90000"/>
+        </a:lnSpc>
+        <a:spcBef>
+          <a:spcPts val="375"/>
+        </a:spcBef>
+        <a:buFont typeface="Arial" panose="020B0604020202020204" pitchFamily="34" charset="0"/>
+        <a:buChar char="•"/>
+        <a:defRPr sz="1350" kern="1200">
+          <a:solidFill>
+            <a:schemeClr val="tx1"/>
+          </a:solidFill>
+          <a:latin typeface="+mn-lt"/>
+          <a:ea typeface="+mn-ea"/>
+          <a:cs typeface="+mn-cs"/>
+        </a:defRPr>
+      </a:lvl8pPr>
+      <a:lvl9pPr marL="2914650" indent="-171450" algn="l" defTabSz="685800" rtl="0" eaLnBrk="1" latinLnBrk="0" hangingPunct="1">
+        <a:lnSpc>
+          <a:spcPct val="90000"/>
+        </a:lnSpc>
+        <a:spcBef>
+          <a:spcPts val="375"/>
+        </a:spcBef>
+        <a:buFont typeface="Arial" panose="020B0604020202020204" pitchFamily="34" charset="0"/>
+        <a:buChar char="•"/>
+        <a:defRPr sz="1350" kern="1200">
+          <a:solidFill>
+            <a:schemeClr val="tx1"/>
+          </a:solidFill>
+          <a:latin typeface="+mn-lt"/>
+          <a:ea typeface="+mn-ea"/>
+          <a:cs typeface="+mn-cs"/>
+        </a:defRPr>
+      </a:lvl9pPr>
+    </p:bodyStyle>
+    <p:otherStyle>
+      <a:defPPr>
+        <a:defRPr lang="ru-RU"/>
+      </a:defPPr>
+      <a:lvl1pPr marL="0" algn="l" defTabSz="685800" rtl="0" eaLnBrk="1" latinLnBrk="0" hangingPunct="1">
+        <a:defRPr sz="1350" kern="1200">
+          <a:solidFill>
+            <a:schemeClr val="tx1"/>
+          </a:solidFill>
+          <a:latin typeface="+mn-lt"/>
+          <a:ea typeface="+mn-ea"/>
+          <a:cs typeface="+mn-cs"/>
+        </a:defRPr>
+      </a:lvl1pPr>
+      <a:lvl2pPr marL="342900" algn="l" defTabSz="685800" rtl="0" eaLnBrk="1" latinLnBrk="0" hangingPunct="1">
+        <a:defRPr sz="1350" kern="1200">
+          <a:solidFill>
+            <a:schemeClr val="tx1"/>
+          </a:solidFill>
+          <a:latin typeface="+mn-lt"/>
+          <a:ea typeface="+mn-ea"/>
+          <a:cs typeface="+mn-cs"/>
+        </a:defRPr>
+      </a:lvl2pPr>
+      <a:lvl3pPr marL="685800" algn="l" defTabSz="685800" rtl="0" eaLnBrk="1" latinLnBrk="0" hangingPunct="1">
+        <a:defRPr sz="1350" kern="1200">
+          <a:solidFill>
+            <a:schemeClr val="tx1"/>
+          </a:solidFill>
+          <a:latin typeface="+mn-lt"/>
+          <a:ea typeface="+mn-ea"/>
+          <a:cs typeface="+mn-cs"/>
+        </a:defRPr>
+      </a:lvl3pPr>
+      <a:lvl4pPr marL="1028700" algn="l" defTabSz="685800" rtl="0" eaLnBrk="1" latinLnBrk="0" hangingPunct="1">
+        <a:defRPr sz="1350" kern="1200">
+          <a:solidFill>
+            <a:schemeClr val="tx1"/>
+          </a:solidFill>
+          <a:latin typeface="+mn-lt"/>
+          <a:ea typeface="+mn-ea"/>
+          <a:cs typeface="+mn-cs"/>
+        </a:defRPr>
+      </a:lvl4pPr>
+      <a:lvl5pPr marL="1371600" algn="l" defTabSz="685800" rtl="0" eaLnBrk="1" latinLnBrk="0" hangingPunct="1">
+        <a:defRPr sz="1350" kern="1200">
+          <a:solidFill>
+            <a:schemeClr val="tx1"/>
+          </a:solidFill>
+          <a:latin typeface="+mn-lt"/>
+          <a:ea typeface="+mn-ea"/>
+          <a:cs typeface="+mn-cs"/>
+        </a:defRPr>
+      </a:lvl5pPr>
+      <a:lvl6pPr marL="1714500" algn="l" defTabSz="685800" rtl="0" eaLnBrk="1" latinLnBrk="0" hangingPunct="1">
+        <a:defRPr sz="1350" kern="1200">
+          <a:solidFill>
+            <a:schemeClr val="tx1"/>
+          </a:solidFill>
+          <a:latin typeface="+mn-lt"/>
+          <a:ea typeface="+mn-ea"/>
+          <a:cs typeface="+mn-cs"/>
+        </a:defRPr>
+      </a:lvl6pPr>
+      <a:lvl7pPr marL="2057400" algn="l" defTabSz="685800" rtl="0" eaLnBrk="1" latinLnBrk="0" hangingPunct="1">
+        <a:defRPr sz="1350" kern="1200">
+          <a:solidFill>
+            <a:schemeClr val="tx1"/>
+          </a:solidFill>
+          <a:latin typeface="+mn-lt"/>
+          <a:ea typeface="+mn-ea"/>
+          <a:cs typeface="+mn-cs"/>
+        </a:defRPr>
+      </a:lvl7pPr>
+      <a:lvl8pPr marL="2400300" algn="l" defTabSz="685800" rtl="0" eaLnBrk="1" latinLnBrk="0" hangingPunct="1">
+        <a:defRPr sz="1350" kern="1200">
+          <a:solidFill>
+            <a:schemeClr val="tx1"/>
+          </a:solidFill>
+          <a:latin typeface="+mn-lt"/>
+          <a:ea typeface="+mn-ea"/>
+          <a:cs typeface="+mn-cs"/>
+        </a:defRPr>
+      </a:lvl8pPr>
+      <a:lvl9pPr marL="2743200" algn="l" defTabSz="685800" rtl="0" eaLnBrk="1" latinLnBrk="0" hangingPunct="1">
+        <a:defRPr sz="1350" kern="1200">
+          <a:solidFill>
+            <a:schemeClr val="tx1"/>
+          </a:solidFill>
+          <a:latin typeface="+mn-lt"/>
+          <a:ea typeface="+mn-ea"/>
+          <a:cs typeface="+mn-cs"/>
+        </a:defRPr>
+      </a:lvl9pPr>
+    </p:otherStyle>
+  </p:txStyles>
+</p:sldMaster>
+</file>
+
 <file path=ppt/slides/slide1.xml><?xml version="1.0" encoding="utf-8"?>
 <p:sld xmlns:a="http://schemas.openxmlformats.org/drawingml/2006/main" xmlns:r="http://schemas.openxmlformats.org/officeDocument/2006/relationships" xmlns:p="http://schemas.openxmlformats.org/presentationml/2006/main">
   <p:cSld>
@@ -5907,7 +9105,7 @@
         </p:nvSpPr>
         <p:spPr>
           <a:xfrm>
-            <a:off x="1921934" y="495301"/>
+            <a:off x="3835134" y="0"/>
             <a:ext cx="5308866" cy="2832096"/>
           </a:xfrm>
         </p:spPr>
@@ -5940,17 +9138,23 @@
             <p:ph type="subTitle" idx="1"/>
           </p:nvPr>
         </p:nvSpPr>
-        <p:spPr/>
-        <p:txBody>
-          <a:bodyPr/>
-          <a:lstStyle/>
-          <a:p>
-            <a:r>
-              <a:rPr lang="ru-RU" dirty="0"/>
-              <a:t>Курсовая работа | 2025 год</a:t>
-            </a:r>
-          </a:p>
-          <a:p>
+        <p:spPr>
+          <a:xfrm>
+            <a:off x="4151762" y="2889246"/>
+            <a:ext cx="4992238" cy="1655762"/>
+          </a:xfrm>
+        </p:spPr>
+        <p:txBody>
+          <a:bodyPr/>
+          <a:lstStyle/>
+          <a:p>
+            <a:r>
+              <a:rPr lang="ru-RU" sz="2000" dirty="0"/>
+              <a:t>Курсовой проект</a:t>
+            </a:r>
+          </a:p>
+          <a:p>
+            <a:pPr algn="r"/>
             <a:r>
               <a:rPr lang="ru-RU" dirty="0"/>
               <a:t>Выполнил</a:t>
@@ -5971,6 +9175,71 @@
               <a:t>3 Курс ИСИП</a:t>
             </a:r>
             <a:endParaRPr dirty="0"/>
+          </a:p>
+        </p:txBody>
+      </p:sp>
+      <p:pic>
+        <p:nvPicPr>
+          <p:cNvPr id="4" name="Рисунок 3" descr="Изображение выглядит как рисунок, зарисовка, мультфильм, графическая вставка&#10;&#10;Автоматически созданное описание">
+            <a:extLst>
+              <a:ext uri="{FF2B5EF4-FFF2-40B4-BE49-F238E27FC236}">
+                <a16:creationId xmlns:a16="http://schemas.microsoft.com/office/drawing/2014/main" id="{C5E423EE-A674-EED3-153E-F6483E5C0A76}"/>
+              </a:ext>
+            </a:extLst>
+          </p:cNvPr>
+          <p:cNvPicPr>
+            <a:picLocks noChangeAspect="1"/>
+          </p:cNvPicPr>
+          <p:nvPr/>
+        </p:nvPicPr>
+        <p:blipFill>
+          <a:blip r:embed="rId2"/>
+          <a:stretch>
+            <a:fillRect/>
+          </a:stretch>
+        </p:blipFill>
+        <p:spPr>
+          <a:xfrm>
+            <a:off x="279400" y="376214"/>
+            <a:ext cx="3872362" cy="3283763"/>
+          </a:xfrm>
+          <a:prstGeom prst="rect">
+            <a:avLst/>
+          </a:prstGeom>
+        </p:spPr>
+      </p:pic>
+      <p:sp>
+        <p:nvSpPr>
+          <p:cNvPr id="5" name="TextBox 4">
+            <a:extLst>
+              <a:ext uri="{FF2B5EF4-FFF2-40B4-BE49-F238E27FC236}">
+                <a16:creationId xmlns:a16="http://schemas.microsoft.com/office/drawing/2014/main" id="{BBE790AD-BCE4-CF85-CFDA-386E7DE79141}"/>
+              </a:ext>
+            </a:extLst>
+          </p:cNvPr>
+          <p:cNvSpPr txBox="1"/>
+          <p:nvPr/>
+        </p:nvSpPr>
+        <p:spPr>
+          <a:xfrm>
+            <a:off x="1448384" y="4019034"/>
+            <a:ext cx="1534394" cy="369332"/>
+          </a:xfrm>
+          <a:prstGeom prst="rect">
+            <a:avLst/>
+          </a:prstGeom>
+          <a:noFill/>
+        </p:spPr>
+        <p:txBody>
+          <a:bodyPr wrap="none" rtlCol="0">
+            <a:spAutoFit/>
+          </a:bodyPr>
+          <a:lstStyle/>
+          <a:p>
+            <a:r>
+              <a:rPr lang="ru-RU" dirty="0"/>
+              <a:t>ЧУПО «ВШП»</a:t>
+            </a:r>
           </a:p>
         </p:txBody>
       </p:sp>
@@ -6143,7 +9412,6 @@
               </a:ext>
             </a:extLst>
           </a:blip>
-          <a:srcRect/>
           <a:stretch>
             <a:fillRect/>
           </a:stretch>
@@ -7259,4 +10527,319 @@
     </a:ext>
   </a:extLst>
 </a:theme>
+</file>
+
+<file path=ppt/theme/theme2.xml><?xml version="1.0" encoding="utf-8"?>
+<a:theme xmlns:a="http://schemas.openxmlformats.org/drawingml/2006/main" name="Тема Office">
+  <a:themeElements>
+    <a:clrScheme name="Стандартная">
+      <a:dk1>
+        <a:sysClr val="windowText" lastClr="000000"/>
+      </a:dk1>
+      <a:lt1>
+        <a:sysClr val="window" lastClr="FFFFFF"/>
+      </a:lt1>
+      <a:dk2>
+        <a:srgbClr val="0E2841"/>
+      </a:dk2>
+      <a:lt2>
+        <a:srgbClr val="E8E8E8"/>
+      </a:lt2>
+      <a:accent1>
+        <a:srgbClr val="156082"/>
+      </a:accent1>
+      <a:accent2>
+        <a:srgbClr val="E97132"/>
+      </a:accent2>
+      <a:accent3>
+        <a:srgbClr val="196B24"/>
+      </a:accent3>
+      <a:accent4>
+        <a:srgbClr val="0F9ED5"/>
+      </a:accent4>
+      <a:accent5>
+        <a:srgbClr val="A02B93"/>
+      </a:accent5>
+      <a:accent6>
+        <a:srgbClr val="4EA72E"/>
+      </a:accent6>
+      <a:hlink>
+        <a:srgbClr val="467886"/>
+      </a:hlink>
+      <a:folHlink>
+        <a:srgbClr val="96607D"/>
+      </a:folHlink>
+    </a:clrScheme>
+    <a:fontScheme name="Стандартная">
+      <a:majorFont>
+        <a:latin typeface="Aptos Display" panose="02110004020202020204"/>
+        <a:ea typeface=""/>
+        <a:cs typeface=""/>
+        <a:font script="Jpan" typeface="游ゴシック Light"/>
+        <a:font script="Hang" typeface="맑은 고딕"/>
+        <a:font script="Hans" typeface="等线 Light"/>
+        <a:font script="Hant" typeface="新細明體"/>
+        <a:font script="Arab" typeface="Times New Roman"/>
+        <a:font script="Hebr" typeface="Times New Roman"/>
+        <a:font script="Thai" typeface="Angsana New"/>
+        <a:font script="Ethi" typeface="Nyala"/>
+        <a:font script="Beng" typeface="Vrinda"/>
+        <a:font script="Gujr" typeface="Shruti"/>
+        <a:font script="Khmr" typeface="MoolBoran"/>
+        <a:font script="Knda" typeface="Tunga"/>
+        <a:font script="Guru" typeface="Raavi"/>
+        <a:font script="Cans" typeface="Euphemia"/>
+        <a:font script="Cher" typeface="Plantagenet Cherokee"/>
+        <a:font script="Yiii" typeface="Microsoft Yi Baiti"/>
+        <a:font script="Tibt" typeface="Microsoft Himalaya"/>
+        <a:font script="Thaa" typeface="MV Boli"/>
+        <a:font script="Deva" typeface="Mangal"/>
+        <a:font script="Telu" typeface="Gautami"/>
+        <a:font script="Taml" typeface="Latha"/>
+        <a:font script="Syrc" typeface="Estrangelo Edessa"/>
+        <a:font script="Orya" typeface="Kalinga"/>
+        <a:font script="Mlym" typeface="Kartika"/>
+        <a:font script="Laoo" typeface="DokChampa"/>
+        <a:font script="Sinh" typeface="Iskoola Pota"/>
+        <a:font script="Mong" typeface="Mongolian Baiti"/>
+        <a:font script="Viet" typeface="Times New Roman"/>
+        <a:font script="Uigh" typeface="Microsoft Uighur"/>
+        <a:font script="Geor" typeface="Sylfaen"/>
+        <a:font script="Armn" typeface="Arial"/>
+        <a:font script="Bugi" typeface="Leelawadee UI"/>
+        <a:font script="Bopo" typeface="Microsoft JhengHei"/>
+        <a:font script="Java" typeface="Javanese Text"/>
+        <a:font script="Lisu" typeface="Segoe UI"/>
+        <a:font script="Mymr" typeface="Myanmar Text"/>
+        <a:font script="Nkoo" typeface="Ebrima"/>
+        <a:font script="Olck" typeface="Nirmala UI"/>
+        <a:font script="Osma" typeface="Ebrima"/>
+        <a:font script="Phag" typeface="Phagspa"/>
+        <a:font script="Syrn" typeface="Estrangelo Edessa"/>
+        <a:font script="Syrj" typeface="Estrangelo Edessa"/>
+        <a:font script="Syre" typeface="Estrangelo Edessa"/>
+        <a:font script="Sora" typeface="Nirmala UI"/>
+        <a:font script="Tale" typeface="Microsoft Tai Le"/>
+        <a:font script="Talu" typeface="Microsoft New Tai Lue"/>
+        <a:font script="Tfng" typeface="Ebrima"/>
+      </a:majorFont>
+      <a:minorFont>
+        <a:latin typeface="Aptos" panose="02110004020202020204"/>
+        <a:ea typeface=""/>
+        <a:cs typeface=""/>
+        <a:font script="Jpan" typeface="游ゴシック"/>
+        <a:font script="Hang" typeface="맑은 고딕"/>
+        <a:font script="Hans" typeface="等线"/>
+        <a:font script="Hant" typeface="新細明體"/>
+        <a:font script="Arab" typeface="Arial"/>
+        <a:font script="Hebr" typeface="Arial"/>
+        <a:font script="Thai" typeface="Cordia New"/>
+        <a:font script="Ethi" typeface="Nyala"/>
+        <a:font script="Beng" typeface="Vrinda"/>
+        <a:font script="Gujr" typeface="Shruti"/>
+        <a:font script="Khmr" typeface="DaunPenh"/>
+        <a:font script="Knda" typeface="Tunga"/>
+        <a:font script="Guru" typeface="Raavi"/>
+        <a:font script="Cans" typeface="Euphemia"/>
+        <a:font script="Cher" typeface="Plantagenet Cherokee"/>
+        <a:font script="Yiii" typeface="Microsoft Yi Baiti"/>
+        <a:font script="Tibt" typeface="Microsoft Himalaya"/>
+        <a:font script="Thaa" typeface="MV Boli"/>
+        <a:font script="Deva" typeface="Mangal"/>
+        <a:font script="Telu" typeface="Gautami"/>
+        <a:font script="Taml" typeface="Latha"/>
+        <a:font script="Syrc" typeface="Estrangelo Edessa"/>
+        <a:font script="Orya" typeface="Kalinga"/>
+        <a:font script="Mlym" typeface="Kartika"/>
+        <a:font script="Laoo" typeface="DokChampa"/>
+        <a:font script="Sinh" typeface="Iskoola Pota"/>
+        <a:font script="Mong" typeface="Mongolian Baiti"/>
+        <a:font script="Viet" typeface="Arial"/>
+        <a:font script="Uigh" typeface="Microsoft Uighur"/>
+        <a:font script="Geor" typeface="Sylfaen"/>
+        <a:font script="Armn" typeface="Arial"/>
+        <a:font script="Bugi" typeface="Leelawadee UI"/>
+        <a:font script="Bopo" typeface="Microsoft JhengHei"/>
+        <a:font script="Java" typeface="Javanese Text"/>
+        <a:font script="Lisu" typeface="Segoe UI"/>
+        <a:font script="Mymr" typeface="Myanmar Text"/>
+        <a:font script="Nkoo" typeface="Ebrima"/>
+        <a:font script="Olck" typeface="Nirmala UI"/>
+        <a:font script="Osma" typeface="Ebrima"/>
+        <a:font script="Phag" typeface="Phagspa"/>
+        <a:font script="Syrn" typeface="Estrangelo Edessa"/>
+        <a:font script="Syrj" typeface="Estrangelo Edessa"/>
+        <a:font script="Syre" typeface="Estrangelo Edessa"/>
+        <a:font script="Sora" typeface="Nirmala UI"/>
+        <a:font script="Tale" typeface="Microsoft Tai Le"/>
+        <a:font script="Talu" typeface="Microsoft New Tai Lue"/>
+        <a:font script="Tfng" typeface="Ebrima"/>
+      </a:minorFont>
+    </a:fontScheme>
+    <a:fmtScheme name="Стандартная">
+      <a:fillStyleLst>
+        <a:solidFill>
+          <a:schemeClr val="phClr"/>
+        </a:solidFill>
+        <a:gradFill rotWithShape="1">
+          <a:gsLst>
+            <a:gs pos="0">
+              <a:schemeClr val="phClr">
+                <a:lumMod val="110000"/>
+                <a:satMod val="105000"/>
+                <a:tint val="67000"/>
+              </a:schemeClr>
+            </a:gs>
+            <a:gs pos="50000">
+              <a:schemeClr val="phClr">
+                <a:lumMod val="105000"/>
+                <a:satMod val="103000"/>
+                <a:tint val="73000"/>
+              </a:schemeClr>
+            </a:gs>
+            <a:gs pos="100000">
+              <a:schemeClr val="phClr">
+                <a:lumMod val="105000"/>
+                <a:satMod val="109000"/>
+                <a:tint val="81000"/>
+              </a:schemeClr>
+            </a:gs>
+          </a:gsLst>
+          <a:lin ang="5400000" scaled="0"/>
+        </a:gradFill>
+        <a:gradFill rotWithShape="1">
+          <a:gsLst>
+            <a:gs pos="0">
+              <a:schemeClr val="phClr">
+                <a:satMod val="103000"/>
+                <a:lumMod val="102000"/>
+                <a:tint val="94000"/>
+              </a:schemeClr>
+            </a:gs>
+            <a:gs pos="50000">
+              <a:schemeClr val="phClr">
+                <a:satMod val="110000"/>
+                <a:lumMod val="100000"/>
+                <a:shade val="100000"/>
+              </a:schemeClr>
+            </a:gs>
+            <a:gs pos="100000">
+              <a:schemeClr val="phClr">
+                <a:lumMod val="99000"/>
+                <a:satMod val="120000"/>
+                <a:shade val="78000"/>
+              </a:schemeClr>
+            </a:gs>
+          </a:gsLst>
+          <a:lin ang="5400000" scaled="0"/>
+        </a:gradFill>
+      </a:fillStyleLst>
+      <a:lnStyleLst>
+        <a:ln w="12700" cap="flat" cmpd="sng" algn="ctr">
+          <a:solidFill>
+            <a:schemeClr val="phClr"/>
+          </a:solidFill>
+          <a:prstDash val="solid"/>
+          <a:miter lim="800000"/>
+        </a:ln>
+        <a:ln w="19050" cap="flat" cmpd="sng" algn="ctr">
+          <a:solidFill>
+            <a:schemeClr val="phClr"/>
+          </a:solidFill>
+          <a:prstDash val="solid"/>
+          <a:miter lim="800000"/>
+        </a:ln>
+        <a:ln w="25400" cap="flat" cmpd="sng" algn="ctr">
+          <a:solidFill>
+            <a:schemeClr val="phClr"/>
+          </a:solidFill>
+          <a:prstDash val="solid"/>
+          <a:miter lim="800000"/>
+        </a:ln>
+      </a:lnStyleLst>
+      <a:effectStyleLst>
+        <a:effectStyle>
+          <a:effectLst/>
+        </a:effectStyle>
+        <a:effectStyle>
+          <a:effectLst/>
+        </a:effectStyle>
+        <a:effectStyle>
+          <a:effectLst>
+            <a:outerShdw blurRad="57150" dist="19050" dir="5400000" algn="ctr" rotWithShape="0">
+              <a:srgbClr val="000000">
+                <a:alpha val="63000"/>
+              </a:srgbClr>
+            </a:outerShdw>
+          </a:effectLst>
+        </a:effectStyle>
+      </a:effectStyleLst>
+      <a:bgFillStyleLst>
+        <a:solidFill>
+          <a:schemeClr val="phClr"/>
+        </a:solidFill>
+        <a:solidFill>
+          <a:schemeClr val="phClr">
+            <a:tint val="95000"/>
+            <a:satMod val="170000"/>
+          </a:schemeClr>
+        </a:solidFill>
+        <a:gradFill rotWithShape="1">
+          <a:gsLst>
+            <a:gs pos="0">
+              <a:schemeClr val="phClr">
+                <a:tint val="93000"/>
+                <a:satMod val="150000"/>
+                <a:shade val="98000"/>
+                <a:lumMod val="102000"/>
+              </a:schemeClr>
+            </a:gs>
+            <a:gs pos="50000">
+              <a:schemeClr val="phClr">
+                <a:tint val="98000"/>
+                <a:satMod val="130000"/>
+                <a:shade val="90000"/>
+                <a:lumMod val="103000"/>
+              </a:schemeClr>
+            </a:gs>
+            <a:gs pos="100000">
+              <a:schemeClr val="phClr">
+                <a:shade val="63000"/>
+                <a:satMod val="120000"/>
+              </a:schemeClr>
+            </a:gs>
+          </a:gsLst>
+          <a:lin ang="5400000" scaled="0"/>
+        </a:gradFill>
+      </a:bgFillStyleLst>
+    </a:fmtScheme>
+  </a:themeElements>
+  <a:objectDefaults>
+    <a:lnDef>
+      <a:spPr/>
+      <a:bodyPr/>
+      <a:lstStyle/>
+      <a:style>
+        <a:lnRef idx="2">
+          <a:schemeClr val="accent1"/>
+        </a:lnRef>
+        <a:fillRef idx="0">
+          <a:schemeClr val="accent1"/>
+        </a:fillRef>
+        <a:effectRef idx="1">
+          <a:schemeClr val="accent1"/>
+        </a:effectRef>
+        <a:fontRef idx="minor">
+          <a:schemeClr val="tx1"/>
+        </a:fontRef>
+      </a:style>
+    </a:lnDef>
+  </a:objectDefaults>
+  <a:extraClrSchemeLst/>
+  <a:extLst>
+    <a:ext uri="{05A4C25C-085E-4340-85A3-A5531E510DB2}">
+      <thm15:themeFamily xmlns:thm15="http://schemas.microsoft.com/office/thememl/2012/main" name="Office Theme" id="{2E142A2C-CD16-42D6-873A-C26D2A0506FA}" vid="{1BDDFF52-6CD6-40A5-AB3C-68EB2F1E4D0A}"/>
+    </a:ext>
+  </a:extLst>
+</a:theme>
 </file>